--- a/active_learning_workshop.pptx
+++ b/active_learning_workshop.pptx
@@ -12,7 +12,7 @@
   </p:handoutMasterIdLst>
   <p:sldIdLst>
     <p:sldId id="1502" r:id="rId5"/>
-    <p:sldId id="1551" r:id="rId6"/>
+    <p:sldId id="1554" r:id="rId6"/>
     <p:sldId id="1530" r:id="rId7"/>
     <p:sldId id="1531" r:id="rId8"/>
     <p:sldId id="1536" r:id="rId9"/>
@@ -141,7 +141,7 @@
         <p14:section name="Machine Learning, AI &amp; Data Science Conference Template" id="{E1C8FB21-FF75-44A0-8090-B2FB240B014B}">
           <p14:sldIdLst>
             <p14:sldId id="1502"/>
-            <p14:sldId id="1551"/>
+            <p14:sldId id="1554"/>
             <p14:sldId id="1530"/>
             <p14:sldId id="1531"/>
             <p14:sldId id="1536"/>
@@ -301,7 +301,7 @@
               <a:rPr lang="en-US" smtClean="0">
                 <a:latin typeface="Segoe UI" pitchFamily="34" charset="0"/>
               </a:rPr>
-              <a:t>3/5/2018 1:09 PM</a:t>
+              <a:t>3/5/2018 8:29 PM</a:t>
             </a:fld>
             <a:endParaRPr lang="en-US" dirty="0">
               <a:latin typeface="Segoe UI" pitchFamily="34" charset="0"/>
@@ -598,7 +598,7 @@
           <a:p>
             <a:fld id="{D18B56EA-E28F-4F92-9F16-7A6F2501B303}" type="datetime8">
               <a:rPr lang="en-US" smtClean="0"/>
-              <a:t>3/5/2018 11:44 AM</a:t>
+              <a:t>3/5/2018 8:28 PM</a:t>
             </a:fld>
             <a:endParaRPr lang="en-US" dirty="0"/>
           </a:p>
@@ -984,7 +984,7 @@
           <a:p>
             <a:fld id="{3313C66B-7AF5-40BA-8933-D16874FF94CC}" type="datetime8">
               <a:rPr lang="en-US" smtClean="0"/>
-              <a:t>3/5/2018 11:44 AM</a:t>
+              <a:t>3/5/2018 8:28 PM</a:t>
             </a:fld>
             <a:endParaRPr lang="en-US" dirty="0"/>
           </a:p>
@@ -1169,7 +1169,7 @@
           <a:p>
             <a:fld id="{D18B56EA-E28F-4F92-9F16-7A6F2501B303}" type="datetime8">
               <a:rPr lang="en-US" smtClean="0"/>
-              <a:t>3/5/2018 11:44 AM</a:t>
+              <a:t>3/5/2018 8:28 PM</a:t>
             </a:fld>
             <a:endParaRPr lang="en-US" dirty="0"/>
           </a:p>
@@ -1354,7 +1354,7 @@
           <a:p>
             <a:fld id="{D18B56EA-E28F-4F92-9F16-7A6F2501B303}" type="datetime8">
               <a:rPr lang="en-US" smtClean="0"/>
-              <a:t>3/5/2018 11:44 AM</a:t>
+              <a:t>3/5/2018 8:28 PM</a:t>
             </a:fld>
             <a:endParaRPr lang="en-US" dirty="0"/>
           </a:p>
@@ -1539,7 +1539,7 @@
           <a:p>
             <a:fld id="{D18B56EA-E28F-4F92-9F16-7A6F2501B303}" type="datetime8">
               <a:rPr lang="en-US" smtClean="0"/>
-              <a:t>3/5/2018 11:44 AM</a:t>
+              <a:t>3/5/2018 8:28 PM</a:t>
             </a:fld>
             <a:endParaRPr lang="en-US" dirty="0"/>
           </a:p>
@@ -1724,7 +1724,7 @@
           <a:p>
             <a:fld id="{D18B56EA-E28F-4F92-9F16-7A6F2501B303}" type="datetime8">
               <a:rPr lang="en-US" smtClean="0"/>
-              <a:t>3/5/2018 11:44 AM</a:t>
+              <a:t>3/5/2018 8:28 PM</a:t>
             </a:fld>
             <a:endParaRPr lang="en-US" dirty="0"/>
           </a:p>
@@ -1909,7 +1909,7 @@
           <a:p>
             <a:fld id="{D18B56EA-E28F-4F92-9F16-7A6F2501B303}" type="datetime8">
               <a:rPr lang="en-US" smtClean="0"/>
-              <a:t>3/5/2018 3:45 PM</a:t>
+              <a:t>3/5/2018 8:28 PM</a:t>
             </a:fld>
             <a:endParaRPr lang="en-US" dirty="0"/>
           </a:p>
@@ -2094,7 +2094,7 @@
           <a:p>
             <a:fld id="{D18B56EA-E28F-4F92-9F16-7A6F2501B303}" type="datetime8">
               <a:rPr lang="en-US" smtClean="0"/>
-              <a:t>3/5/2018 11:44 AM</a:t>
+              <a:t>3/5/2018 8:28 PM</a:t>
             </a:fld>
             <a:endParaRPr lang="en-US" dirty="0"/>
           </a:p>
@@ -2279,7 +2279,7 @@
           <a:p>
             <a:fld id="{D18B56EA-E28F-4F92-9F16-7A6F2501B303}" type="datetime8">
               <a:rPr lang="en-US" smtClean="0"/>
-              <a:t>3/5/2018 11:44 AM</a:t>
+              <a:t>3/5/2018 8:28 PM</a:t>
             </a:fld>
             <a:endParaRPr lang="en-US" dirty="0"/>
           </a:p>
@@ -2411,7 +2411,7 @@
           <a:p>
             <a:fld id="{5A70A388-5CB4-42F2-85B9-1AE1F63398FA}" type="datetime8">
               <a:rPr lang="en-US" smtClean="0"/>
-              <a:t>3/5/2018 11:44 AM</a:t>
+              <a:t>3/5/2018 8:28 PM</a:t>
             </a:fld>
             <a:endParaRPr lang="en-US" dirty="0"/>
           </a:p>
@@ -2600,7 +2600,7 @@
           <a:p>
             <a:fld id="{6939CF7E-134C-4B4A-9853-17D7568CBCC2}" type="datetime8">
               <a:rPr lang="en-US" smtClean="0"/>
-              <a:t>3/5/2018 11:44 AM</a:t>
+              <a:t>3/5/2018 8:28 PM</a:t>
             </a:fld>
             <a:endParaRPr lang="en-US" dirty="0"/>
           </a:p>
@@ -2818,7 +2818,7 @@
           <a:p>
             <a:fld id="{6939CF7E-134C-4B4A-9853-17D7568CBCC2}" type="datetime8">
               <a:rPr lang="en-US" smtClean="0"/>
-              <a:t>3/5/2018 11:44 AM</a:t>
+              <a:t>3/5/2018 8:28 PM</a:t>
             </a:fld>
             <a:endParaRPr lang="en-US" dirty="0"/>
           </a:p>
@@ -2989,7 +2989,7 @@
           <a:bodyPr/>
           <a:lstStyle/>
           <a:p>
-            <a:endParaRPr lang="en-US"/>
+            <a:endParaRPr lang="en-US" dirty="0"/>
           </a:p>
         </p:txBody>
       </p:sp>
@@ -3087,7 +3087,7 @@
           <a:p>
             <a:fld id="{D18B56EA-E28F-4F92-9F16-7A6F2501B303}" type="datetime8">
               <a:rPr lang="en-US" smtClean="0"/>
-              <a:t>3/5/2018 3:44 PM</a:t>
+              <a:t>3/5/2018 8:30 PM</a:t>
             </a:fld>
             <a:endParaRPr lang="en-US" dirty="0"/>
           </a:p>
@@ -3120,7 +3120,7 @@
     </p:spTree>
     <p:extLst>
       <p:ext uri="{BB962C8B-B14F-4D97-AF65-F5344CB8AC3E}">
-        <p14:creationId xmlns:p14="http://schemas.microsoft.com/office/powerpoint/2010/main" val="591545207"/>
+        <p14:creationId xmlns:p14="http://schemas.microsoft.com/office/powerpoint/2010/main" val="2917332802"/>
       </p:ext>
     </p:extLst>
   </p:cSld>
@@ -3221,7 +3221,7 @@
           <a:p>
             <a:fld id="{6939CF7E-134C-4B4A-9853-17D7568CBCC2}" type="datetime8">
               <a:rPr lang="en-US" smtClean="0"/>
-              <a:t>3/5/2018 11:44 AM</a:t>
+              <a:t>3/5/2018 8:28 PM</a:t>
             </a:fld>
             <a:endParaRPr lang="en-US" dirty="0"/>
           </a:p>
@@ -3439,7 +3439,7 @@
           <a:p>
             <a:fld id="{6939CF7E-134C-4B4A-9853-17D7568CBCC2}" type="datetime8">
               <a:rPr lang="en-US" smtClean="0"/>
-              <a:t>3/5/2018 11:44 AM</a:t>
+              <a:t>3/5/2018 8:28 PM</a:t>
             </a:fld>
             <a:endParaRPr lang="en-US" dirty="0"/>
           </a:p>
@@ -3708,7 +3708,7 @@
           <a:p>
             <a:fld id="{D18B56EA-E28F-4F92-9F16-7A6F2501B303}" type="datetime8">
               <a:rPr lang="en-US" smtClean="0"/>
-              <a:t>3/5/2018 11:44 AM</a:t>
+              <a:t>3/5/2018 8:28 PM</a:t>
             </a:fld>
             <a:endParaRPr lang="en-US" dirty="0"/>
           </a:p>
@@ -3893,7 +3893,7 @@
           <a:p>
             <a:fld id="{D18B56EA-E28F-4F92-9F16-7A6F2501B303}" type="datetime8">
               <a:rPr lang="en-US" smtClean="0"/>
-              <a:t>3/5/2018 11:44 AM</a:t>
+              <a:t>3/5/2018 8:28 PM</a:t>
             </a:fld>
             <a:endParaRPr lang="en-US" dirty="0"/>
           </a:p>
@@ -4078,7 +4078,7 @@
           <a:p>
             <a:fld id="{D18B56EA-E28F-4F92-9F16-7A6F2501B303}" type="datetime8">
               <a:rPr lang="en-US" smtClean="0"/>
-              <a:t>3/5/2018 3:49 PM</a:t>
+              <a:t>3/5/2018 8:28 PM</a:t>
             </a:fld>
             <a:endParaRPr lang="en-US" dirty="0"/>
           </a:p>
@@ -4263,7 +4263,7 @@
           <a:p>
             <a:fld id="{D18B56EA-E28F-4F92-9F16-7A6F2501B303}" type="datetime8">
               <a:rPr lang="en-US" smtClean="0"/>
-              <a:t>3/5/2018 11:44 AM</a:t>
+              <a:t>3/5/2018 8:28 PM</a:t>
             </a:fld>
             <a:endParaRPr lang="en-US" dirty="0"/>
           </a:p>
@@ -4416,7 +4416,7 @@
                   <a:prstClr val="black"/>
                 </a:solidFill>
               </a:rPr>
-              <a:t>3/5/2018 11:44 AM</a:t>
+              <a:t>3/5/2018 8:28 PM</a:t>
             </a:fld>
             <a:endParaRPr lang="en-US" dirty="0">
               <a:solidFill>
@@ -4667,7 +4667,7 @@
           <a:p>
             <a:fld id="{D18B56EA-E28F-4F92-9F16-7A6F2501B303}" type="datetime8">
               <a:rPr lang="en-US" smtClean="0"/>
-              <a:t>3/5/2018 11:44 AM</a:t>
+              <a:t>3/5/2018 8:28 PM</a:t>
             </a:fld>
             <a:endParaRPr lang="en-US" dirty="0"/>
           </a:p>
@@ -4852,7 +4852,7 @@
           <a:p>
             <a:fld id="{D18B56EA-E28F-4F92-9F16-7A6F2501B303}" type="datetime8">
               <a:rPr lang="en-US" smtClean="0"/>
-              <a:t>3/5/2018 11:44 AM</a:t>
+              <a:t>3/5/2018 8:28 PM</a:t>
             </a:fld>
             <a:endParaRPr lang="en-US" dirty="0"/>
           </a:p>
@@ -5037,7 +5037,7 @@
           <a:p>
             <a:fld id="{D18B56EA-E28F-4F92-9F16-7A6F2501B303}" type="datetime8">
               <a:rPr lang="en-US" smtClean="0"/>
-              <a:t>3/5/2018 11:44 AM</a:t>
+              <a:t>3/5/2018 8:28 PM</a:t>
             </a:fld>
             <a:endParaRPr lang="en-US" dirty="0"/>
           </a:p>
@@ -5214,7 +5214,7 @@
           <a:p>
             <a:fld id="{6939CF7E-134C-4B4A-9853-17D7568CBCC2}" type="datetime8">
               <a:rPr lang="en-US" smtClean="0"/>
-              <a:t>3/5/2018 11:44 AM</a:t>
+              <a:t>3/5/2018 8:28 PM</a:t>
             </a:fld>
             <a:endParaRPr lang="en-US" dirty="0"/>
           </a:p>
@@ -5483,7 +5483,7 @@
           <a:p>
             <a:fld id="{D18B56EA-E28F-4F92-9F16-7A6F2501B303}" type="datetime8">
               <a:rPr lang="en-US" smtClean="0"/>
-              <a:t>3/5/2018 11:44 AM</a:t>
+              <a:t>3/5/2018 8:28 PM</a:t>
             </a:fld>
             <a:endParaRPr lang="en-US" dirty="0"/>
           </a:p>
@@ -5668,7 +5668,7 @@
           <a:p>
             <a:fld id="{D18B56EA-E28F-4F92-9F16-7A6F2501B303}" type="datetime8">
               <a:rPr lang="en-US" smtClean="0"/>
-              <a:t>3/5/2018 11:44 AM</a:t>
+              <a:t>3/5/2018 8:28 PM</a:t>
             </a:fld>
             <a:endParaRPr lang="en-US" dirty="0"/>
           </a:p>
@@ -5853,7 +5853,7 @@
           <a:p>
             <a:fld id="{D18B56EA-E28F-4F92-9F16-7A6F2501B303}" type="datetime8">
               <a:rPr lang="en-US" smtClean="0"/>
-              <a:t>3/5/2018 3:24 PM</a:t>
+              <a:t>3/5/2018 8:28 PM</a:t>
             </a:fld>
             <a:endParaRPr lang="en-US" dirty="0"/>
           </a:p>
@@ -12102,10 +12102,205 @@
           <a:chExt cx="0" cy="0"/>
         </a:xfrm>
       </p:grpSpPr>
+      <p:sp>
+        <p:nvSpPr>
+          <p:cNvPr id="2" name="Title 1">
+            <a:extLst>
+              <a:ext uri="{FF2B5EF4-FFF2-40B4-BE49-F238E27FC236}">
+                <a16:creationId xmlns:a16="http://schemas.microsoft.com/office/drawing/2014/main" id="{946F0E70-8A76-4F57-890F-203B54B6F1C5}"/>
+              </a:ext>
+            </a:extLst>
+          </p:cNvPr>
+          <p:cNvSpPr>
+            <a:spLocks noGrp="1"/>
+          </p:cNvSpPr>
+          <p:nvPr>
+            <p:ph type="title"/>
+          </p:nvPr>
+        </p:nvSpPr>
+        <p:spPr/>
+        <p:txBody>
+          <a:bodyPr/>
+          <a:lstStyle/>
+          <a:p>
+            <a:r>
+              <a:rPr lang="en-US" dirty="0"/>
+              <a:t>Using R and Python for Scalable Data Science, Machine Learning, and AI</a:t>
+            </a:r>
+          </a:p>
+        </p:txBody>
+      </p:sp>
+      <p:sp>
+        <p:nvSpPr>
+          <p:cNvPr id="3" name="Text Placeholder 2">
+            <a:extLst>
+              <a:ext uri="{FF2B5EF4-FFF2-40B4-BE49-F238E27FC236}">
+                <a16:creationId xmlns:a16="http://schemas.microsoft.com/office/drawing/2014/main" id="{119A2FC7-452D-4105-8832-CF8C367B26AD}"/>
+              </a:ext>
+            </a:extLst>
+          </p:cNvPr>
+          <p:cNvSpPr>
+            <a:spLocks noGrp="1"/>
+          </p:cNvSpPr>
+          <p:nvPr>
+            <p:ph type="body" sz="quarter" idx="10"/>
+          </p:nvPr>
+        </p:nvSpPr>
+        <p:spPr>
+          <a:xfrm>
+            <a:off x="274702" y="1973262"/>
+            <a:ext cx="11888787" cy="4524315"/>
+          </a:xfrm>
+        </p:spPr>
+        <p:txBody>
+          <a:bodyPr/>
+          <a:lstStyle/>
+          <a:p>
+            <a:r>
+              <a:rPr lang="en-US" dirty="0"/>
+              <a:t>Instructions at </a:t>
+            </a:r>
+            <a:r>
+              <a:rPr lang="en-US" dirty="0">
+                <a:hlinkClick r:id="rId3"/>
+              </a:rPr>
+              <a:t>https://github.com/Azure/Strata2018</a:t>
+            </a:r>
+            <a:endParaRPr lang="en-US" dirty="0"/>
+          </a:p>
+          <a:p>
+            <a:r>
+              <a:rPr lang="en-US" sz="2400" dirty="0"/>
+              <a:t>Open </a:t>
+            </a:r>
+            <a:r>
+              <a:rPr lang="en-US" sz="2400" dirty="0">
+                <a:hlinkClick r:id="rId4"/>
+              </a:rPr>
+              <a:t>https://hostname:8000</a:t>
+            </a:r>
+            <a:r>
+              <a:rPr lang="en-US" sz="2400" dirty="0"/>
+              <a:t> (use https, not http; replace "hostname" with the hostname on the slip of paper you received when arriving). </a:t>
+            </a:r>
+            <a:r>
+              <a:rPr lang="en-US" sz="2400" b="1" dirty="0" err="1"/>
+              <a:t>Disgregard</a:t>
+            </a:r>
+            <a:r>
+              <a:rPr lang="en-US" sz="2400" b="1" dirty="0"/>
+              <a:t> warnings about certificate errors.</a:t>
+            </a:r>
+          </a:p>
+          <a:p>
+            <a:r>
+              <a:rPr lang="en-US" sz="2400" dirty="0"/>
+              <a:t>Open a bash terminal window by clicking the </a:t>
+            </a:r>
+            <a:r>
+              <a:rPr lang="en-US" sz="2400" b="1" dirty="0"/>
+              <a:t>New</a:t>
+            </a:r>
+            <a:r>
+              <a:rPr lang="en-US" sz="2400" dirty="0"/>
+              <a:t> button and then clicking </a:t>
+            </a:r>
+            <a:r>
+              <a:rPr lang="en-US" sz="2400" b="1" dirty="0"/>
+              <a:t>Terminal</a:t>
+            </a:r>
+            <a:r>
+              <a:rPr lang="en-US" sz="2400" dirty="0"/>
+              <a:t>.</a:t>
+            </a:r>
+          </a:p>
+          <a:p>
+            <a:r>
+              <a:rPr lang="en-US" sz="2400" dirty="0"/>
+              <a:t>In </a:t>
+            </a:r>
+            <a:r>
+              <a:rPr lang="en-US" sz="2400"/>
+              <a:t>the bash terminal</a:t>
+            </a:r>
+            <a:r>
+              <a:rPr lang="en-US" sz="2400" dirty="0"/>
+              <a:t>, run these four commands:</a:t>
+            </a:r>
+          </a:p>
+          <a:p>
+            <a:pPr lvl="1"/>
+            <a:r>
+              <a:rPr lang="en-US" sz="1800" dirty="0"/>
+              <a:t>cd ~/notebooks</a:t>
+            </a:r>
+          </a:p>
+          <a:p>
+            <a:pPr lvl="1"/>
+            <a:r>
+              <a:rPr lang="en-US" sz="1800" dirty="0"/>
+              <a:t>git clone </a:t>
+            </a:r>
+            <a:r>
+              <a:rPr lang="en-US" sz="1800" dirty="0">
+                <a:hlinkClick r:id="rId3"/>
+              </a:rPr>
+              <a:t>https://github.com/Azure/Strata2018</a:t>
+            </a:r>
+            <a:endParaRPr lang="en-US" sz="1800" dirty="0"/>
+          </a:p>
+          <a:p>
+            <a:pPr lvl="1"/>
+            <a:r>
+              <a:rPr lang="en-US" sz="1800" dirty="0"/>
+              <a:t>cd Strata2018</a:t>
+            </a:r>
+          </a:p>
+          <a:p>
+            <a:pPr lvl="1"/>
+            <a:r>
+              <a:rPr lang="en-US" sz="1800" dirty="0"/>
+              <a:t>source startup.sh</a:t>
+            </a:r>
+          </a:p>
+          <a:p>
+            <a:r>
+              <a:rPr lang="en-US" sz="2400" dirty="0"/>
+              <a:t>You can now log in to </a:t>
+            </a:r>
+            <a:r>
+              <a:rPr lang="en-US" sz="2400" dirty="0" err="1"/>
+              <a:t>RStudio</a:t>
+            </a:r>
+            <a:r>
+              <a:rPr lang="en-US" sz="2400" dirty="0"/>
+              <a:t> Server at </a:t>
+            </a:r>
+            <a:r>
+              <a:rPr lang="en-US" sz="2400" dirty="0">
+                <a:hlinkClick r:id="rId5"/>
+              </a:rPr>
+              <a:t>http://hostname:8787</a:t>
+            </a:r>
+            <a:r>
+              <a:rPr lang="en-US" sz="2400" dirty="0"/>
+              <a:t> (unlike </a:t>
+            </a:r>
+            <a:r>
+              <a:rPr lang="en-US" sz="2400" dirty="0" err="1"/>
+              <a:t>JupyterHub</a:t>
+            </a:r>
+            <a:r>
+              <a:rPr lang="en-US" sz="2400" dirty="0"/>
+              <a:t>, be sure to use http, not https). </a:t>
+            </a:r>
+          </a:p>
+        </p:txBody>
+      </p:sp>
     </p:spTree>
     <p:extLst>
       <p:ext uri="{BB962C8B-B14F-4D97-AF65-F5344CB8AC3E}">
-        <p14:creationId xmlns:p14="http://schemas.microsoft.com/office/powerpoint/2010/main" val="2426920434"/>
+        <p14:creationId xmlns:p14="http://schemas.microsoft.com/office/powerpoint/2010/main" val="3451572764"/>
       </p:ext>
     </p:extLst>
   </p:cSld>
@@ -17036,106 +17231,6 @@
 </file>
 
 <file path=customXml/item1.xml><?xml version="1.0" encoding="utf-8"?>
-<?mso-contentType ?>
-<FormTemplates xmlns="http://schemas.microsoft.com/sharepoint/v3/contenttype/forms">
-  <Display>DocumentLibraryForm</Display>
-  <Edit>DocumentLibraryForm</Edit>
-  <New>DocumentLibraryForm</New>
-</FormTemplates>
-</file>
-
-<file path=customXml/item2.xml><?xml version="1.0" encoding="utf-8"?>
-<p:properties xmlns:p="http://schemas.microsoft.com/office/2006/metadata/properties" xmlns:xsi="http://www.w3.org/2001/XMLSchema-instance" xmlns:pc="http://schemas.microsoft.com/office/infopath/2007/PartnerControls">
-  <documentManagement>
-    <LikesCount xmlns="http://schemas.microsoft.com/sharepoint/v3" xsi:nil="true"/>
-    <_ip_UnifiedCompliancePolicyUIAction xmlns="http://schemas.microsoft.com/sharepoint/v3" xsi:nil="true"/>
-    <_ip_UnifiedCompliancePolicyProperties xmlns="http://schemas.microsoft.com/sharepoint/v3" xsi:nil="true"/>
-    <TaxKeywordTaxHTField xmlns="230e9df3-be65-4c73-a93b-d1236ebd677e">
-      <Terms xmlns="http://schemas.microsoft.com/office/infopath/2007/PartnerControls">
-        <TermInfo xmlns="http://schemas.microsoft.com/office/infopath/2007/PartnerControls">
-          <TermName xmlns="http://schemas.microsoft.com/office/infopath/2007/PartnerControls">machine learning</TermName>
-          <TermId xmlns="http://schemas.microsoft.com/office/infopath/2007/PartnerControls">912b89bd-3197-4d37-838b-dea3c299099a</TermId>
-        </TermInfo>
-        <TermInfo xmlns="http://schemas.microsoft.com/office/infopath/2007/PartnerControls">
-          <TermName xmlns="http://schemas.microsoft.com/office/infopath/2007/PartnerControls">AI ＆ Data Science Conference</TermName>
-          <TermId xmlns="http://schemas.microsoft.com/office/infopath/2007/PartnerControls">8f010730-a012-41a8-b19a-7b5a9af03b6a</TermId>
-        </TermInfo>
-      </Terms>
-    </TaxKeywordTaxHTField>
-    <TaxCatchAll xmlns="230e9df3-be65-4c73-a93b-d1236ebd677e">
-      <Value>69</Value>
-      <Value>131</Value>
-      <Value>20</Value>
-      <Value>72</Value>
-      <Value>169</Value>
-    </TaxCatchAll>
-    <Event_x0020_Start_x0020_Date xmlns="04e01bb1-6d80-42e9-ae53-416b1e8aa845">2017-12-07T00:00:00+00:00</Event_x0020_Start_x0020_Date>
-    <External_x0020_Speaker xmlns="04e01bb1-6d80-42e9-ae53-416b1e8aa845" xsi:nil="true"/>
-    <Presentation_x0020_Date xmlns="04e01bb1-6d80-42e9-ae53-416b1e8aa845" xsi:nil="true"/>
-    <MS_x0020_Content_x0020_Owner xmlns="04e01bb1-6d80-42e9-ae53-416b1e8aa845">
-      <UserInfo>
-        <DisplayName/>
-        <AccountId xsi:nil="true"/>
-        <AccountType/>
-      </UserInfo>
-    </MS_x0020_Content_x0020_Owner>
-    <Session_x0020_Code xmlns="04e01bb1-6d80-42e9-ae53-416b1e8aa845" xsi:nil="true"/>
-    <Event_x0020_End_x0020_Date xmlns="04e01bb1-6d80-42e9-ae53-416b1e8aa845">2017-12-08T00:00:00+00:00</Event_x0020_End_x0020_Date>
-    <MS_x0020_Speaker xmlns="04e01bb1-6d80-42e9-ae53-416b1e8aa845">
-      <UserInfo>
-        <DisplayName/>
-        <AccountId xsi:nil="true"/>
-        <AccountType/>
-      </UserInfo>
-    </MS_x0020_Speaker>
-    <_x0062_bc8 xmlns="e889e55c-35cf-43c7-aaf4-cf2500919dd8">
-      <UserInfo>
-        <DisplayName/>
-        <AccountId xsi:nil="true"/>
-        <AccountType/>
-      </UserInfo>
-    </_x0062_bc8>
-    <fb4e50409e3b4517bb965b3c7125e153 xmlns="04e01bb1-6d80-42e9-ae53-416b1e8aa845">
-      <Terms xmlns="http://schemas.microsoft.com/office/infopath/2007/PartnerControls"/>
-    </fb4e50409e3b4517bb965b3c7125e153>
-    <l61c8586195b4657a1f710a539f9bc3a xmlns="04e01bb1-6d80-42e9-ae53-416b1e8aa845">
-      <Terms xmlns="http://schemas.microsoft.com/office/infopath/2007/PartnerControls">
-        <TermInfo xmlns="http://schemas.microsoft.com/office/infopath/2007/PartnerControls">
-          <TermName xmlns="http://schemas.microsoft.com/office/infopath/2007/PartnerControls">Microsoft Conference Center</TermName>
-          <TermId xmlns="http://schemas.microsoft.com/office/infopath/2007/PartnerControls">9ee5e79d-18a6-44c6-bfde-7021198eb4fc</TermId>
-        </TermInfo>
-      </Terms>
-    </l61c8586195b4657a1f710a539f9bc3a>
-    <a645af38eebb4a1ea4744f163c56ea26 xmlns="04e01bb1-6d80-42e9-ae53-416b1e8aa845">
-      <Terms xmlns="http://schemas.microsoft.com/office/infopath/2007/PartnerControls"/>
-    </a645af38eebb4a1ea4744f163c56ea26>
-    <g60601ae6c3e4c409eb6a70077dda16d xmlns="04e01bb1-6d80-42e9-ae53-416b1e8aa845">
-      <Terms xmlns="http://schemas.microsoft.com/office/infopath/2007/PartnerControls">
-        <TermInfo xmlns="http://schemas.microsoft.com/office/infopath/2007/PartnerControls">
-          <TermName xmlns="http://schemas.microsoft.com/office/infopath/2007/PartnerControls">Microsoft Redmond Campus</TermName>
-          <TermId xmlns="http://schemas.microsoft.com/office/infopath/2007/PartnerControls">3cd96142-cb30-40de-9c66-cd17f1bb8ca1</TermId>
-        </TermInfo>
-      </Terms>
-    </g60601ae6c3e4c409eb6a70077dda16d>
-    <e6bd9c8ce3ed4fe68161c78952f36fbc xmlns="04e01bb1-6d80-42e9-ae53-416b1e8aa845">
-      <Terms xmlns="http://schemas.microsoft.com/office/infopath/2007/PartnerControls"/>
-    </e6bd9c8ce3ed4fe68161c78952f36fbc>
-    <e349cd3f156b4e7d8653c9cd4f2d8fb4 xmlns="04e01bb1-6d80-42e9-ae53-416b1e8aa845">
-      <Terms xmlns="http://schemas.microsoft.com/office/infopath/2007/PartnerControls">
-        <TermInfo xmlns="http://schemas.microsoft.com/office/infopath/2007/PartnerControls">
-          <TermName xmlns="http://schemas.microsoft.com/office/infopath/2007/PartnerControls">Machine Learning, AI and Data Science Conference</TermName>
-          <TermId xmlns="http://schemas.microsoft.com/office/infopath/2007/PartnerControls">2f5995e3-1e3d-4c27-96d6-c6c80990926c</TermId>
-        </TermInfo>
-      </Terms>
-    </e349cd3f156b4e7d8653c9cd4f2d8fb4>
-    <c2f1b796fca04ddbb48af271e99c8750 xmlns="04e01bb1-6d80-42e9-ae53-416b1e8aa845">
-      <Terms xmlns="http://schemas.microsoft.com/office/infopath/2007/PartnerControls"/>
-    </c2f1b796fca04ddbb48af271e99c8750>
-  </documentManagement>
-</p:properties>
-</file>
-
-<file path=customXml/item3.xml><?xml version="1.0" encoding="utf-8"?>
 <ct:contentTypeSchema xmlns:ct="http://schemas.microsoft.com/office/2006/metadata/contentType" xmlns:ma="http://schemas.microsoft.com/office/2006/metadata/properties/metaAttributes" ct:_="" ma:_="" ma:contentTypeName="PresentationsDoc" ma:contentTypeID="0x010100A584695755FE764EB25B07353E74077C00D779C3CEF1177A4F8B41F96DF87A1F66" ma:contentTypeVersion="29" ma:contentTypeDescription="" ma:contentTypeScope="" ma:versionID="bc0165f08afb8fb58dc89969b329b48b">
   <xsd:schema xmlns:xsd="http://www.w3.org/2001/XMLSchema" xmlns:xs="http://www.w3.org/2001/XMLSchema" xmlns:p="http://schemas.microsoft.com/office/2006/metadata/properties" xmlns:ns1="http://schemas.microsoft.com/sharepoint/v3" xmlns:ns2="04e01bb1-6d80-42e9-ae53-416b1e8aa845" xmlns:ns3="230e9df3-be65-4c73-a93b-d1236ebd677e" xmlns:ns5="e889e55c-35cf-43c7-aaf4-cf2500919dd8" targetNamespace="http://schemas.microsoft.com/office/2006/metadata/properties" ma:root="true" ma:fieldsID="1871bda11c5b84277cb29a8dbd7968a9" ns1:_="" ns2:_="" ns3:_="" ns5:_="">
     <xsd:import namespace="http://schemas.microsoft.com/sharepoint/v3"/>
@@ -17534,10 +17629,123 @@
 </ct:contentTypeSchema>
 </file>
 
+<file path=customXml/item2.xml><?xml version="1.0" encoding="utf-8"?>
+<p:properties xmlns:p="http://schemas.microsoft.com/office/2006/metadata/properties" xmlns:xsi="http://www.w3.org/2001/XMLSchema-instance" xmlns:pc="http://schemas.microsoft.com/office/infopath/2007/PartnerControls">
+  <documentManagement>
+    <LikesCount xmlns="http://schemas.microsoft.com/sharepoint/v3" xsi:nil="true"/>
+    <_ip_UnifiedCompliancePolicyUIAction xmlns="http://schemas.microsoft.com/sharepoint/v3" xsi:nil="true"/>
+    <_ip_UnifiedCompliancePolicyProperties xmlns="http://schemas.microsoft.com/sharepoint/v3" xsi:nil="true"/>
+    <TaxKeywordTaxHTField xmlns="230e9df3-be65-4c73-a93b-d1236ebd677e">
+      <Terms xmlns="http://schemas.microsoft.com/office/infopath/2007/PartnerControls">
+        <TermInfo xmlns="http://schemas.microsoft.com/office/infopath/2007/PartnerControls">
+          <TermName xmlns="http://schemas.microsoft.com/office/infopath/2007/PartnerControls">machine learning</TermName>
+          <TermId xmlns="http://schemas.microsoft.com/office/infopath/2007/PartnerControls">912b89bd-3197-4d37-838b-dea3c299099a</TermId>
+        </TermInfo>
+        <TermInfo xmlns="http://schemas.microsoft.com/office/infopath/2007/PartnerControls">
+          <TermName xmlns="http://schemas.microsoft.com/office/infopath/2007/PartnerControls">AI ＆ Data Science Conference</TermName>
+          <TermId xmlns="http://schemas.microsoft.com/office/infopath/2007/PartnerControls">8f010730-a012-41a8-b19a-7b5a9af03b6a</TermId>
+        </TermInfo>
+      </Terms>
+    </TaxKeywordTaxHTField>
+    <TaxCatchAll xmlns="230e9df3-be65-4c73-a93b-d1236ebd677e">
+      <Value>69</Value>
+      <Value>131</Value>
+      <Value>20</Value>
+      <Value>72</Value>
+      <Value>169</Value>
+    </TaxCatchAll>
+    <Event_x0020_Start_x0020_Date xmlns="04e01bb1-6d80-42e9-ae53-416b1e8aa845">2017-12-07T00:00:00+00:00</Event_x0020_Start_x0020_Date>
+    <External_x0020_Speaker xmlns="04e01bb1-6d80-42e9-ae53-416b1e8aa845" xsi:nil="true"/>
+    <Presentation_x0020_Date xmlns="04e01bb1-6d80-42e9-ae53-416b1e8aa845" xsi:nil="true"/>
+    <MS_x0020_Content_x0020_Owner xmlns="04e01bb1-6d80-42e9-ae53-416b1e8aa845">
+      <UserInfo>
+        <DisplayName/>
+        <AccountId xsi:nil="true"/>
+        <AccountType/>
+      </UserInfo>
+    </MS_x0020_Content_x0020_Owner>
+    <Session_x0020_Code xmlns="04e01bb1-6d80-42e9-ae53-416b1e8aa845" xsi:nil="true"/>
+    <Event_x0020_End_x0020_Date xmlns="04e01bb1-6d80-42e9-ae53-416b1e8aa845">2017-12-08T00:00:00+00:00</Event_x0020_End_x0020_Date>
+    <MS_x0020_Speaker xmlns="04e01bb1-6d80-42e9-ae53-416b1e8aa845">
+      <UserInfo>
+        <DisplayName/>
+        <AccountId xsi:nil="true"/>
+        <AccountType/>
+      </UserInfo>
+    </MS_x0020_Speaker>
+    <_x0062_bc8 xmlns="e889e55c-35cf-43c7-aaf4-cf2500919dd8">
+      <UserInfo>
+        <DisplayName/>
+        <AccountId xsi:nil="true"/>
+        <AccountType/>
+      </UserInfo>
+    </_x0062_bc8>
+    <fb4e50409e3b4517bb965b3c7125e153 xmlns="04e01bb1-6d80-42e9-ae53-416b1e8aa845">
+      <Terms xmlns="http://schemas.microsoft.com/office/infopath/2007/PartnerControls"/>
+    </fb4e50409e3b4517bb965b3c7125e153>
+    <l61c8586195b4657a1f710a539f9bc3a xmlns="04e01bb1-6d80-42e9-ae53-416b1e8aa845">
+      <Terms xmlns="http://schemas.microsoft.com/office/infopath/2007/PartnerControls">
+        <TermInfo xmlns="http://schemas.microsoft.com/office/infopath/2007/PartnerControls">
+          <TermName xmlns="http://schemas.microsoft.com/office/infopath/2007/PartnerControls">Microsoft Conference Center</TermName>
+          <TermId xmlns="http://schemas.microsoft.com/office/infopath/2007/PartnerControls">9ee5e79d-18a6-44c6-bfde-7021198eb4fc</TermId>
+        </TermInfo>
+      </Terms>
+    </l61c8586195b4657a1f710a539f9bc3a>
+    <a645af38eebb4a1ea4744f163c56ea26 xmlns="04e01bb1-6d80-42e9-ae53-416b1e8aa845">
+      <Terms xmlns="http://schemas.microsoft.com/office/infopath/2007/PartnerControls"/>
+    </a645af38eebb4a1ea4744f163c56ea26>
+    <g60601ae6c3e4c409eb6a70077dda16d xmlns="04e01bb1-6d80-42e9-ae53-416b1e8aa845">
+      <Terms xmlns="http://schemas.microsoft.com/office/infopath/2007/PartnerControls">
+        <TermInfo xmlns="http://schemas.microsoft.com/office/infopath/2007/PartnerControls">
+          <TermName xmlns="http://schemas.microsoft.com/office/infopath/2007/PartnerControls">Microsoft Redmond Campus</TermName>
+          <TermId xmlns="http://schemas.microsoft.com/office/infopath/2007/PartnerControls">3cd96142-cb30-40de-9c66-cd17f1bb8ca1</TermId>
+        </TermInfo>
+      </Terms>
+    </g60601ae6c3e4c409eb6a70077dda16d>
+    <e6bd9c8ce3ed4fe68161c78952f36fbc xmlns="04e01bb1-6d80-42e9-ae53-416b1e8aa845">
+      <Terms xmlns="http://schemas.microsoft.com/office/infopath/2007/PartnerControls"/>
+    </e6bd9c8ce3ed4fe68161c78952f36fbc>
+    <e349cd3f156b4e7d8653c9cd4f2d8fb4 xmlns="04e01bb1-6d80-42e9-ae53-416b1e8aa845">
+      <Terms xmlns="http://schemas.microsoft.com/office/infopath/2007/PartnerControls">
+        <TermInfo xmlns="http://schemas.microsoft.com/office/infopath/2007/PartnerControls">
+          <TermName xmlns="http://schemas.microsoft.com/office/infopath/2007/PartnerControls">Machine Learning, AI and Data Science Conference</TermName>
+          <TermId xmlns="http://schemas.microsoft.com/office/infopath/2007/PartnerControls">2f5995e3-1e3d-4c27-96d6-c6c80990926c</TermId>
+        </TermInfo>
+      </Terms>
+    </e349cd3f156b4e7d8653c9cd4f2d8fb4>
+    <c2f1b796fca04ddbb48af271e99c8750 xmlns="04e01bb1-6d80-42e9-ae53-416b1e8aa845">
+      <Terms xmlns="http://schemas.microsoft.com/office/infopath/2007/PartnerControls"/>
+    </c2f1b796fca04ddbb48af271e99c8750>
+  </documentManagement>
+</p:properties>
+</file>
+
+<file path=customXml/item3.xml><?xml version="1.0" encoding="utf-8"?>
+<?mso-contentType ?>
+<FormTemplates xmlns="http://schemas.microsoft.com/sharepoint/v3/contenttype/forms">
+  <Display>DocumentLibraryForm</Display>
+  <Edit>DocumentLibraryForm</Edit>
+  <New>DocumentLibraryForm</New>
+</FormTemplates>
+</file>
+
 <file path=customXml/itemProps1.xml><?xml version="1.0" encoding="utf-8"?>
-<ds:datastoreItem xmlns:ds="http://schemas.openxmlformats.org/officeDocument/2006/customXml" ds:itemID="{758FDAC0-319D-4A54-8D8E-1D42CB1F8004}">
+<ds:datastoreItem xmlns:ds="http://schemas.openxmlformats.org/officeDocument/2006/customXml" ds:itemID="{1F2A38B6-502D-4D28-8656-FF7623C10301}">
   <ds:schemaRefs>
-    <ds:schemaRef ds:uri="http://schemas.microsoft.com/sharepoint/v3/contenttype/forms"/>
+    <ds:schemaRef ds:uri="http://schemas.microsoft.com/office/2006/metadata/contentType"/>
+    <ds:schemaRef ds:uri="http://schemas.microsoft.com/office/2006/metadata/properties/metaAttributes"/>
+    <ds:schemaRef ds:uri="http://www.w3.org/2001/XMLSchema"/>
+    <ds:schemaRef ds:uri="http://schemas.microsoft.com/office/2006/metadata/properties"/>
+    <ds:schemaRef ds:uri="http://schemas.microsoft.com/sharepoint/v3"/>
+    <ds:schemaRef ds:uri="04e01bb1-6d80-42e9-ae53-416b1e8aa845"/>
+    <ds:schemaRef ds:uri="230e9df3-be65-4c73-a93b-d1236ebd677e"/>
+    <ds:schemaRef ds:uri="e889e55c-35cf-43c7-aaf4-cf2500919dd8"/>
+    <ds:schemaRef ds:uri="http://schemas.microsoft.com/office/2006/documentManagement/types"/>
+    <ds:schemaRef ds:uri="http://schemas.microsoft.com/office/infopath/2007/PartnerControls"/>
+    <ds:schemaRef ds:uri="http://schemas.openxmlformats.org/package/2006/metadata/core-properties"/>
+    <ds:schemaRef ds:uri="http://purl.org/dc/elements/1.1/"/>
+    <ds:schemaRef ds:uri="http://purl.org/dc/terms/"/>
+    <ds:schemaRef ds:uri="http://schemas.microsoft.com/internal/obd"/>
   </ds:schemaRefs>
 </ds:datastoreItem>
 </file>
@@ -17562,22 +17770,9 @@
 </file>
 
 <file path=customXml/itemProps3.xml><?xml version="1.0" encoding="utf-8"?>
-<ds:datastoreItem xmlns:ds="http://schemas.openxmlformats.org/officeDocument/2006/customXml" ds:itemID="{1F2A38B6-502D-4D28-8656-FF7623C10301}">
+<ds:datastoreItem xmlns:ds="http://schemas.openxmlformats.org/officeDocument/2006/customXml" ds:itemID="{758FDAC0-319D-4A54-8D8E-1D42CB1F8004}">
   <ds:schemaRefs>
-    <ds:schemaRef ds:uri="http://schemas.microsoft.com/office/2006/metadata/contentType"/>
-    <ds:schemaRef ds:uri="http://schemas.microsoft.com/office/2006/metadata/properties/metaAttributes"/>
-    <ds:schemaRef ds:uri="http://www.w3.org/2001/XMLSchema"/>
-    <ds:schemaRef ds:uri="http://schemas.microsoft.com/office/2006/metadata/properties"/>
-    <ds:schemaRef ds:uri="http://schemas.microsoft.com/sharepoint/v3"/>
-    <ds:schemaRef ds:uri="04e01bb1-6d80-42e9-ae53-416b1e8aa845"/>
-    <ds:schemaRef ds:uri="230e9df3-be65-4c73-a93b-d1236ebd677e"/>
-    <ds:schemaRef ds:uri="e889e55c-35cf-43c7-aaf4-cf2500919dd8"/>
-    <ds:schemaRef ds:uri="http://schemas.microsoft.com/office/2006/documentManagement/types"/>
-    <ds:schemaRef ds:uri="http://schemas.microsoft.com/office/infopath/2007/PartnerControls"/>
-    <ds:schemaRef ds:uri="http://schemas.openxmlformats.org/package/2006/metadata/core-properties"/>
-    <ds:schemaRef ds:uri="http://purl.org/dc/elements/1.1/"/>
-    <ds:schemaRef ds:uri="http://purl.org/dc/terms/"/>
-    <ds:schemaRef ds:uri="http://schemas.microsoft.com/internal/obd"/>
+    <ds:schemaRef ds:uri="http://schemas.microsoft.com/sharepoint/v3/contenttype/forms"/>
   </ds:schemaRefs>
 </ds:datastoreItem>
 </file>
--- a/active_learning_workshop.pptx
+++ b/active_learning_workshop.pptx
@@ -301,7 +301,7 @@
               <a:rPr lang="en-US" smtClean="0">
                 <a:latin typeface="Segoe UI" pitchFamily="34" charset="0"/>
               </a:rPr>
-              <a:t>3/5/2018 8:29 PM</a:t>
+              <a:t>3/5/2018 10:11 PM</a:t>
             </a:fld>
             <a:endParaRPr lang="en-US" dirty="0">
               <a:latin typeface="Segoe UI" pitchFamily="34" charset="0"/>
@@ -598,7 +598,7 @@
           <a:p>
             <a:fld id="{D18B56EA-E28F-4F92-9F16-7A6F2501B303}" type="datetime8">
               <a:rPr lang="en-US" smtClean="0"/>
-              <a:t>3/5/2018 8:28 PM</a:t>
+              <a:t>3/5/2018 9:21 PM</a:t>
             </a:fld>
             <a:endParaRPr lang="en-US" dirty="0"/>
           </a:p>
@@ -984,7 +984,7 @@
           <a:p>
             <a:fld id="{3313C66B-7AF5-40BA-8933-D16874FF94CC}" type="datetime8">
               <a:rPr lang="en-US" smtClean="0"/>
-              <a:t>3/5/2018 8:28 PM</a:t>
+              <a:t>3/5/2018 9:21 PM</a:t>
             </a:fld>
             <a:endParaRPr lang="en-US" dirty="0"/>
           </a:p>
@@ -1169,7 +1169,7 @@
           <a:p>
             <a:fld id="{D18B56EA-E28F-4F92-9F16-7A6F2501B303}" type="datetime8">
               <a:rPr lang="en-US" smtClean="0"/>
-              <a:t>3/5/2018 8:28 PM</a:t>
+              <a:t>3/5/2018 9:21 PM</a:t>
             </a:fld>
             <a:endParaRPr lang="en-US" dirty="0"/>
           </a:p>
@@ -1354,7 +1354,7 @@
           <a:p>
             <a:fld id="{D18B56EA-E28F-4F92-9F16-7A6F2501B303}" type="datetime8">
               <a:rPr lang="en-US" smtClean="0"/>
-              <a:t>3/5/2018 8:28 PM</a:t>
+              <a:t>3/5/2018 9:21 PM</a:t>
             </a:fld>
             <a:endParaRPr lang="en-US" dirty="0"/>
           </a:p>
@@ -1539,7 +1539,7 @@
           <a:p>
             <a:fld id="{D18B56EA-E28F-4F92-9F16-7A6F2501B303}" type="datetime8">
               <a:rPr lang="en-US" smtClean="0"/>
-              <a:t>3/5/2018 8:28 PM</a:t>
+              <a:t>3/5/2018 9:21 PM</a:t>
             </a:fld>
             <a:endParaRPr lang="en-US" dirty="0"/>
           </a:p>
@@ -1724,7 +1724,7 @@
           <a:p>
             <a:fld id="{D18B56EA-E28F-4F92-9F16-7A6F2501B303}" type="datetime8">
               <a:rPr lang="en-US" smtClean="0"/>
-              <a:t>3/5/2018 8:28 PM</a:t>
+              <a:t>3/5/2018 9:21 PM</a:t>
             </a:fld>
             <a:endParaRPr lang="en-US" dirty="0"/>
           </a:p>
@@ -1909,7 +1909,7 @@
           <a:p>
             <a:fld id="{D18B56EA-E28F-4F92-9F16-7A6F2501B303}" type="datetime8">
               <a:rPr lang="en-US" smtClean="0"/>
-              <a:t>3/5/2018 8:28 PM</a:t>
+              <a:t>3/5/2018 9:21 PM</a:t>
             </a:fld>
             <a:endParaRPr lang="en-US" dirty="0"/>
           </a:p>
@@ -2094,7 +2094,7 @@
           <a:p>
             <a:fld id="{D18B56EA-E28F-4F92-9F16-7A6F2501B303}" type="datetime8">
               <a:rPr lang="en-US" smtClean="0"/>
-              <a:t>3/5/2018 8:28 PM</a:t>
+              <a:t>3/5/2018 9:21 PM</a:t>
             </a:fld>
             <a:endParaRPr lang="en-US" dirty="0"/>
           </a:p>
@@ -2279,7 +2279,7 @@
           <a:p>
             <a:fld id="{D18B56EA-E28F-4F92-9F16-7A6F2501B303}" type="datetime8">
               <a:rPr lang="en-US" smtClean="0"/>
-              <a:t>3/5/2018 8:28 PM</a:t>
+              <a:t>3/5/2018 9:21 PM</a:t>
             </a:fld>
             <a:endParaRPr lang="en-US" dirty="0"/>
           </a:p>
@@ -2411,7 +2411,7 @@
           <a:p>
             <a:fld id="{5A70A388-5CB4-42F2-85B9-1AE1F63398FA}" type="datetime8">
               <a:rPr lang="en-US" smtClean="0"/>
-              <a:t>3/5/2018 8:28 PM</a:t>
+              <a:t>3/5/2018 9:21 PM</a:t>
             </a:fld>
             <a:endParaRPr lang="en-US" dirty="0"/>
           </a:p>
@@ -2600,7 +2600,7 @@
           <a:p>
             <a:fld id="{6939CF7E-134C-4B4A-9853-17D7568CBCC2}" type="datetime8">
               <a:rPr lang="en-US" smtClean="0"/>
-              <a:t>3/5/2018 8:28 PM</a:t>
+              <a:t>3/5/2018 9:21 PM</a:t>
             </a:fld>
             <a:endParaRPr lang="en-US" dirty="0"/>
           </a:p>
@@ -2818,7 +2818,7 @@
           <a:p>
             <a:fld id="{6939CF7E-134C-4B4A-9853-17D7568CBCC2}" type="datetime8">
               <a:rPr lang="en-US" smtClean="0"/>
-              <a:t>3/5/2018 8:28 PM</a:t>
+              <a:t>3/5/2018 9:21 PM</a:t>
             </a:fld>
             <a:endParaRPr lang="en-US" dirty="0"/>
           </a:p>
@@ -3087,7 +3087,7 @@
           <a:p>
             <a:fld id="{D18B56EA-E28F-4F92-9F16-7A6F2501B303}" type="datetime8">
               <a:rPr lang="en-US" smtClean="0"/>
-              <a:t>3/5/2018 8:30 PM</a:t>
+              <a:t>3/5/2018 9:21 PM</a:t>
             </a:fld>
             <a:endParaRPr lang="en-US" dirty="0"/>
           </a:p>
@@ -3221,7 +3221,7 @@
           <a:p>
             <a:fld id="{6939CF7E-134C-4B4A-9853-17D7568CBCC2}" type="datetime8">
               <a:rPr lang="en-US" smtClean="0"/>
-              <a:t>3/5/2018 8:28 PM</a:t>
+              <a:t>3/5/2018 9:21 PM</a:t>
             </a:fld>
             <a:endParaRPr lang="en-US" dirty="0"/>
           </a:p>
@@ -3439,7 +3439,7 @@
           <a:p>
             <a:fld id="{6939CF7E-134C-4B4A-9853-17D7568CBCC2}" type="datetime8">
               <a:rPr lang="en-US" smtClean="0"/>
-              <a:t>3/5/2018 8:28 PM</a:t>
+              <a:t>3/5/2018 9:21 PM</a:t>
             </a:fld>
             <a:endParaRPr lang="en-US" dirty="0"/>
           </a:p>
@@ -3708,7 +3708,7 @@
           <a:p>
             <a:fld id="{D18B56EA-E28F-4F92-9F16-7A6F2501B303}" type="datetime8">
               <a:rPr lang="en-US" smtClean="0"/>
-              <a:t>3/5/2018 8:28 PM</a:t>
+              <a:t>3/5/2018 9:21 PM</a:t>
             </a:fld>
             <a:endParaRPr lang="en-US" dirty="0"/>
           </a:p>
@@ -3893,7 +3893,7 @@
           <a:p>
             <a:fld id="{D18B56EA-E28F-4F92-9F16-7A6F2501B303}" type="datetime8">
               <a:rPr lang="en-US" smtClean="0"/>
-              <a:t>3/5/2018 8:28 PM</a:t>
+              <a:t>3/5/2018 9:21 PM</a:t>
             </a:fld>
             <a:endParaRPr lang="en-US" dirty="0"/>
           </a:p>
@@ -4078,7 +4078,7 @@
           <a:p>
             <a:fld id="{D18B56EA-E28F-4F92-9F16-7A6F2501B303}" type="datetime8">
               <a:rPr lang="en-US" smtClean="0"/>
-              <a:t>3/5/2018 8:28 PM</a:t>
+              <a:t>3/5/2018 9:21 PM</a:t>
             </a:fld>
             <a:endParaRPr lang="en-US" dirty="0"/>
           </a:p>
@@ -4263,7 +4263,7 @@
           <a:p>
             <a:fld id="{D18B56EA-E28F-4F92-9F16-7A6F2501B303}" type="datetime8">
               <a:rPr lang="en-US" smtClean="0"/>
-              <a:t>3/5/2018 8:28 PM</a:t>
+              <a:t>3/5/2018 9:21 PM</a:t>
             </a:fld>
             <a:endParaRPr lang="en-US" dirty="0"/>
           </a:p>
@@ -4416,7 +4416,7 @@
                   <a:prstClr val="black"/>
                 </a:solidFill>
               </a:rPr>
-              <a:t>3/5/2018 8:28 PM</a:t>
+              <a:t>3/5/2018 9:21 PM</a:t>
             </a:fld>
             <a:endParaRPr lang="en-US" dirty="0">
               <a:solidFill>
@@ -4667,7 +4667,7 @@
           <a:p>
             <a:fld id="{D18B56EA-E28F-4F92-9F16-7A6F2501B303}" type="datetime8">
               <a:rPr lang="en-US" smtClean="0"/>
-              <a:t>3/5/2018 8:28 PM</a:t>
+              <a:t>3/5/2018 9:21 PM</a:t>
             </a:fld>
             <a:endParaRPr lang="en-US" dirty="0"/>
           </a:p>
@@ -4852,7 +4852,7 @@
           <a:p>
             <a:fld id="{D18B56EA-E28F-4F92-9F16-7A6F2501B303}" type="datetime8">
               <a:rPr lang="en-US" smtClean="0"/>
-              <a:t>3/5/2018 8:28 PM</a:t>
+              <a:t>3/5/2018 9:21 PM</a:t>
             </a:fld>
             <a:endParaRPr lang="en-US" dirty="0"/>
           </a:p>
@@ -5037,7 +5037,7 @@
           <a:p>
             <a:fld id="{D18B56EA-E28F-4F92-9F16-7A6F2501B303}" type="datetime8">
               <a:rPr lang="en-US" smtClean="0"/>
-              <a:t>3/5/2018 8:28 PM</a:t>
+              <a:t>3/5/2018 9:21 PM</a:t>
             </a:fld>
             <a:endParaRPr lang="en-US" dirty="0"/>
           </a:p>
@@ -5214,7 +5214,7 @@
           <a:p>
             <a:fld id="{6939CF7E-134C-4B4A-9853-17D7568CBCC2}" type="datetime8">
               <a:rPr lang="en-US" smtClean="0"/>
-              <a:t>3/5/2018 8:28 PM</a:t>
+              <a:t>3/5/2018 9:21 PM</a:t>
             </a:fld>
             <a:endParaRPr lang="en-US" dirty="0"/>
           </a:p>
@@ -5483,7 +5483,7 @@
           <a:p>
             <a:fld id="{D18B56EA-E28F-4F92-9F16-7A6F2501B303}" type="datetime8">
               <a:rPr lang="en-US" smtClean="0"/>
-              <a:t>3/5/2018 8:28 PM</a:t>
+              <a:t>3/5/2018 9:21 PM</a:t>
             </a:fld>
             <a:endParaRPr lang="en-US" dirty="0"/>
           </a:p>
@@ -5668,7 +5668,7 @@
           <a:p>
             <a:fld id="{D18B56EA-E28F-4F92-9F16-7A6F2501B303}" type="datetime8">
               <a:rPr lang="en-US" smtClean="0"/>
-              <a:t>3/5/2018 8:28 PM</a:t>
+              <a:t>3/5/2018 9:21 PM</a:t>
             </a:fld>
             <a:endParaRPr lang="en-US" dirty="0"/>
           </a:p>
@@ -5853,7 +5853,7 @@
           <a:p>
             <a:fld id="{D18B56EA-E28F-4F92-9F16-7A6F2501B303}" type="datetime8">
               <a:rPr lang="en-US" smtClean="0"/>
-              <a:t>3/5/2018 8:28 PM</a:t>
+              <a:t>3/5/2018 9:21 PM</a:t>
             </a:fld>
             <a:endParaRPr lang="en-US" dirty="0"/>
           </a:p>
@@ -12184,12 +12184,12 @@
               <a:t> (use https, not http; replace "hostname" with the hostname on the slip of paper you received when arriving). </a:t>
             </a:r>
             <a:r>
-              <a:rPr lang="en-US" sz="2400" b="1" dirty="0" err="1"/>
-              <a:t>Disgregard</a:t>
+              <a:rPr lang="en-US" sz="2400" b="1"/>
+              <a:t>Disregard </a:t>
             </a:r>
             <a:r>
               <a:rPr lang="en-US" sz="2400" b="1" dirty="0"/>
-              <a:t> warnings about certificate errors.</a:t>
+              <a:t>warnings about certificate errors.</a:t>
             </a:r>
           </a:p>
           <a:p>
@@ -12217,15 +12217,7 @@
           <a:p>
             <a:r>
               <a:rPr lang="en-US" sz="2400" dirty="0"/>
-              <a:t>In </a:t>
-            </a:r>
-            <a:r>
-              <a:rPr lang="en-US" sz="2400"/>
-              <a:t>the bash terminal</a:t>
-            </a:r>
-            <a:r>
-              <a:rPr lang="en-US" sz="2400" dirty="0"/>
-              <a:t>, run these four commands:</a:t>
+              <a:t>In the bash terminal, run these four commands:</a:t>
             </a:r>
           </a:p>
           <a:p>
@@ -17231,6 +17223,97 @@
 </file>
 
 <file path=customXml/item1.xml><?xml version="1.0" encoding="utf-8"?>
+<p:properties xmlns:p="http://schemas.microsoft.com/office/2006/metadata/properties" xmlns:xsi="http://www.w3.org/2001/XMLSchema-instance" xmlns:pc="http://schemas.microsoft.com/office/infopath/2007/PartnerControls">
+  <documentManagement>
+    <LikesCount xmlns="http://schemas.microsoft.com/sharepoint/v3" xsi:nil="true"/>
+    <_ip_UnifiedCompliancePolicyUIAction xmlns="http://schemas.microsoft.com/sharepoint/v3" xsi:nil="true"/>
+    <_ip_UnifiedCompliancePolicyProperties xmlns="http://schemas.microsoft.com/sharepoint/v3" xsi:nil="true"/>
+    <TaxKeywordTaxHTField xmlns="230e9df3-be65-4c73-a93b-d1236ebd677e">
+      <Terms xmlns="http://schemas.microsoft.com/office/infopath/2007/PartnerControls">
+        <TermInfo xmlns="http://schemas.microsoft.com/office/infopath/2007/PartnerControls">
+          <TermName xmlns="http://schemas.microsoft.com/office/infopath/2007/PartnerControls">machine learning</TermName>
+          <TermId xmlns="http://schemas.microsoft.com/office/infopath/2007/PartnerControls">912b89bd-3197-4d37-838b-dea3c299099a</TermId>
+        </TermInfo>
+        <TermInfo xmlns="http://schemas.microsoft.com/office/infopath/2007/PartnerControls">
+          <TermName xmlns="http://schemas.microsoft.com/office/infopath/2007/PartnerControls">AI ＆ Data Science Conference</TermName>
+          <TermId xmlns="http://schemas.microsoft.com/office/infopath/2007/PartnerControls">8f010730-a012-41a8-b19a-7b5a9af03b6a</TermId>
+        </TermInfo>
+      </Terms>
+    </TaxKeywordTaxHTField>
+    <TaxCatchAll xmlns="230e9df3-be65-4c73-a93b-d1236ebd677e">
+      <Value>69</Value>
+      <Value>131</Value>
+      <Value>20</Value>
+      <Value>72</Value>
+      <Value>169</Value>
+    </TaxCatchAll>
+    <Event_x0020_Start_x0020_Date xmlns="04e01bb1-6d80-42e9-ae53-416b1e8aa845">2017-12-07T00:00:00+00:00</Event_x0020_Start_x0020_Date>
+    <External_x0020_Speaker xmlns="04e01bb1-6d80-42e9-ae53-416b1e8aa845" xsi:nil="true"/>
+    <Presentation_x0020_Date xmlns="04e01bb1-6d80-42e9-ae53-416b1e8aa845" xsi:nil="true"/>
+    <MS_x0020_Content_x0020_Owner xmlns="04e01bb1-6d80-42e9-ae53-416b1e8aa845">
+      <UserInfo>
+        <DisplayName/>
+        <AccountId xsi:nil="true"/>
+        <AccountType/>
+      </UserInfo>
+    </MS_x0020_Content_x0020_Owner>
+    <Session_x0020_Code xmlns="04e01bb1-6d80-42e9-ae53-416b1e8aa845" xsi:nil="true"/>
+    <Event_x0020_End_x0020_Date xmlns="04e01bb1-6d80-42e9-ae53-416b1e8aa845">2017-12-08T00:00:00+00:00</Event_x0020_End_x0020_Date>
+    <MS_x0020_Speaker xmlns="04e01bb1-6d80-42e9-ae53-416b1e8aa845">
+      <UserInfo>
+        <DisplayName/>
+        <AccountId xsi:nil="true"/>
+        <AccountType/>
+      </UserInfo>
+    </MS_x0020_Speaker>
+    <_x0062_bc8 xmlns="e889e55c-35cf-43c7-aaf4-cf2500919dd8">
+      <UserInfo>
+        <DisplayName/>
+        <AccountId xsi:nil="true"/>
+        <AccountType/>
+      </UserInfo>
+    </_x0062_bc8>
+    <fb4e50409e3b4517bb965b3c7125e153 xmlns="04e01bb1-6d80-42e9-ae53-416b1e8aa845">
+      <Terms xmlns="http://schemas.microsoft.com/office/infopath/2007/PartnerControls"/>
+    </fb4e50409e3b4517bb965b3c7125e153>
+    <l61c8586195b4657a1f710a539f9bc3a xmlns="04e01bb1-6d80-42e9-ae53-416b1e8aa845">
+      <Terms xmlns="http://schemas.microsoft.com/office/infopath/2007/PartnerControls">
+        <TermInfo xmlns="http://schemas.microsoft.com/office/infopath/2007/PartnerControls">
+          <TermName xmlns="http://schemas.microsoft.com/office/infopath/2007/PartnerControls">Microsoft Conference Center</TermName>
+          <TermId xmlns="http://schemas.microsoft.com/office/infopath/2007/PartnerControls">9ee5e79d-18a6-44c6-bfde-7021198eb4fc</TermId>
+        </TermInfo>
+      </Terms>
+    </l61c8586195b4657a1f710a539f9bc3a>
+    <a645af38eebb4a1ea4744f163c56ea26 xmlns="04e01bb1-6d80-42e9-ae53-416b1e8aa845">
+      <Terms xmlns="http://schemas.microsoft.com/office/infopath/2007/PartnerControls"/>
+    </a645af38eebb4a1ea4744f163c56ea26>
+    <g60601ae6c3e4c409eb6a70077dda16d xmlns="04e01bb1-6d80-42e9-ae53-416b1e8aa845">
+      <Terms xmlns="http://schemas.microsoft.com/office/infopath/2007/PartnerControls">
+        <TermInfo xmlns="http://schemas.microsoft.com/office/infopath/2007/PartnerControls">
+          <TermName xmlns="http://schemas.microsoft.com/office/infopath/2007/PartnerControls">Microsoft Redmond Campus</TermName>
+          <TermId xmlns="http://schemas.microsoft.com/office/infopath/2007/PartnerControls">3cd96142-cb30-40de-9c66-cd17f1bb8ca1</TermId>
+        </TermInfo>
+      </Terms>
+    </g60601ae6c3e4c409eb6a70077dda16d>
+    <e6bd9c8ce3ed4fe68161c78952f36fbc xmlns="04e01bb1-6d80-42e9-ae53-416b1e8aa845">
+      <Terms xmlns="http://schemas.microsoft.com/office/infopath/2007/PartnerControls"/>
+    </e6bd9c8ce3ed4fe68161c78952f36fbc>
+    <e349cd3f156b4e7d8653c9cd4f2d8fb4 xmlns="04e01bb1-6d80-42e9-ae53-416b1e8aa845">
+      <Terms xmlns="http://schemas.microsoft.com/office/infopath/2007/PartnerControls">
+        <TermInfo xmlns="http://schemas.microsoft.com/office/infopath/2007/PartnerControls">
+          <TermName xmlns="http://schemas.microsoft.com/office/infopath/2007/PartnerControls">Machine Learning, AI and Data Science Conference</TermName>
+          <TermId xmlns="http://schemas.microsoft.com/office/infopath/2007/PartnerControls">2f5995e3-1e3d-4c27-96d6-c6c80990926c</TermId>
+        </TermInfo>
+      </Terms>
+    </e349cd3f156b4e7d8653c9cd4f2d8fb4>
+    <c2f1b796fca04ddbb48af271e99c8750 xmlns="04e01bb1-6d80-42e9-ae53-416b1e8aa845">
+      <Terms xmlns="http://schemas.microsoft.com/office/infopath/2007/PartnerControls"/>
+    </c2f1b796fca04ddbb48af271e99c8750>
+  </documentManagement>
+</p:properties>
+</file>
+
+<file path=customXml/item2.xml><?xml version="1.0" encoding="utf-8"?>
 <ct:contentTypeSchema xmlns:ct="http://schemas.microsoft.com/office/2006/metadata/contentType" xmlns:ma="http://schemas.microsoft.com/office/2006/metadata/properties/metaAttributes" ct:_="" ma:_="" ma:contentTypeName="PresentationsDoc" ma:contentTypeID="0x010100A584695755FE764EB25B07353E74077C00D779C3CEF1177A4F8B41F96DF87A1F66" ma:contentTypeVersion="29" ma:contentTypeDescription="" ma:contentTypeScope="" ma:versionID="bc0165f08afb8fb58dc89969b329b48b">
   <xsd:schema xmlns:xsd="http://www.w3.org/2001/XMLSchema" xmlns:xs="http://www.w3.org/2001/XMLSchema" xmlns:p="http://schemas.microsoft.com/office/2006/metadata/properties" xmlns:ns1="http://schemas.microsoft.com/sharepoint/v3" xmlns:ns2="04e01bb1-6d80-42e9-ae53-416b1e8aa845" xmlns:ns3="230e9df3-be65-4c73-a93b-d1236ebd677e" xmlns:ns5="e889e55c-35cf-43c7-aaf4-cf2500919dd8" targetNamespace="http://schemas.microsoft.com/office/2006/metadata/properties" ma:root="true" ma:fieldsID="1871bda11c5b84277cb29a8dbd7968a9" ns1:_="" ns2:_="" ns3:_="" ns5:_="">
     <xsd:import namespace="http://schemas.microsoft.com/sharepoint/v3"/>
@@ -17629,97 +17712,6 @@
 </ct:contentTypeSchema>
 </file>
 
-<file path=customXml/item2.xml><?xml version="1.0" encoding="utf-8"?>
-<p:properties xmlns:p="http://schemas.microsoft.com/office/2006/metadata/properties" xmlns:xsi="http://www.w3.org/2001/XMLSchema-instance" xmlns:pc="http://schemas.microsoft.com/office/infopath/2007/PartnerControls">
-  <documentManagement>
-    <LikesCount xmlns="http://schemas.microsoft.com/sharepoint/v3" xsi:nil="true"/>
-    <_ip_UnifiedCompliancePolicyUIAction xmlns="http://schemas.microsoft.com/sharepoint/v3" xsi:nil="true"/>
-    <_ip_UnifiedCompliancePolicyProperties xmlns="http://schemas.microsoft.com/sharepoint/v3" xsi:nil="true"/>
-    <TaxKeywordTaxHTField xmlns="230e9df3-be65-4c73-a93b-d1236ebd677e">
-      <Terms xmlns="http://schemas.microsoft.com/office/infopath/2007/PartnerControls">
-        <TermInfo xmlns="http://schemas.microsoft.com/office/infopath/2007/PartnerControls">
-          <TermName xmlns="http://schemas.microsoft.com/office/infopath/2007/PartnerControls">machine learning</TermName>
-          <TermId xmlns="http://schemas.microsoft.com/office/infopath/2007/PartnerControls">912b89bd-3197-4d37-838b-dea3c299099a</TermId>
-        </TermInfo>
-        <TermInfo xmlns="http://schemas.microsoft.com/office/infopath/2007/PartnerControls">
-          <TermName xmlns="http://schemas.microsoft.com/office/infopath/2007/PartnerControls">AI ＆ Data Science Conference</TermName>
-          <TermId xmlns="http://schemas.microsoft.com/office/infopath/2007/PartnerControls">8f010730-a012-41a8-b19a-7b5a9af03b6a</TermId>
-        </TermInfo>
-      </Terms>
-    </TaxKeywordTaxHTField>
-    <TaxCatchAll xmlns="230e9df3-be65-4c73-a93b-d1236ebd677e">
-      <Value>69</Value>
-      <Value>131</Value>
-      <Value>20</Value>
-      <Value>72</Value>
-      <Value>169</Value>
-    </TaxCatchAll>
-    <Event_x0020_Start_x0020_Date xmlns="04e01bb1-6d80-42e9-ae53-416b1e8aa845">2017-12-07T00:00:00+00:00</Event_x0020_Start_x0020_Date>
-    <External_x0020_Speaker xmlns="04e01bb1-6d80-42e9-ae53-416b1e8aa845" xsi:nil="true"/>
-    <Presentation_x0020_Date xmlns="04e01bb1-6d80-42e9-ae53-416b1e8aa845" xsi:nil="true"/>
-    <MS_x0020_Content_x0020_Owner xmlns="04e01bb1-6d80-42e9-ae53-416b1e8aa845">
-      <UserInfo>
-        <DisplayName/>
-        <AccountId xsi:nil="true"/>
-        <AccountType/>
-      </UserInfo>
-    </MS_x0020_Content_x0020_Owner>
-    <Session_x0020_Code xmlns="04e01bb1-6d80-42e9-ae53-416b1e8aa845" xsi:nil="true"/>
-    <Event_x0020_End_x0020_Date xmlns="04e01bb1-6d80-42e9-ae53-416b1e8aa845">2017-12-08T00:00:00+00:00</Event_x0020_End_x0020_Date>
-    <MS_x0020_Speaker xmlns="04e01bb1-6d80-42e9-ae53-416b1e8aa845">
-      <UserInfo>
-        <DisplayName/>
-        <AccountId xsi:nil="true"/>
-        <AccountType/>
-      </UserInfo>
-    </MS_x0020_Speaker>
-    <_x0062_bc8 xmlns="e889e55c-35cf-43c7-aaf4-cf2500919dd8">
-      <UserInfo>
-        <DisplayName/>
-        <AccountId xsi:nil="true"/>
-        <AccountType/>
-      </UserInfo>
-    </_x0062_bc8>
-    <fb4e50409e3b4517bb965b3c7125e153 xmlns="04e01bb1-6d80-42e9-ae53-416b1e8aa845">
-      <Terms xmlns="http://schemas.microsoft.com/office/infopath/2007/PartnerControls"/>
-    </fb4e50409e3b4517bb965b3c7125e153>
-    <l61c8586195b4657a1f710a539f9bc3a xmlns="04e01bb1-6d80-42e9-ae53-416b1e8aa845">
-      <Terms xmlns="http://schemas.microsoft.com/office/infopath/2007/PartnerControls">
-        <TermInfo xmlns="http://schemas.microsoft.com/office/infopath/2007/PartnerControls">
-          <TermName xmlns="http://schemas.microsoft.com/office/infopath/2007/PartnerControls">Microsoft Conference Center</TermName>
-          <TermId xmlns="http://schemas.microsoft.com/office/infopath/2007/PartnerControls">9ee5e79d-18a6-44c6-bfde-7021198eb4fc</TermId>
-        </TermInfo>
-      </Terms>
-    </l61c8586195b4657a1f710a539f9bc3a>
-    <a645af38eebb4a1ea4744f163c56ea26 xmlns="04e01bb1-6d80-42e9-ae53-416b1e8aa845">
-      <Terms xmlns="http://schemas.microsoft.com/office/infopath/2007/PartnerControls"/>
-    </a645af38eebb4a1ea4744f163c56ea26>
-    <g60601ae6c3e4c409eb6a70077dda16d xmlns="04e01bb1-6d80-42e9-ae53-416b1e8aa845">
-      <Terms xmlns="http://schemas.microsoft.com/office/infopath/2007/PartnerControls">
-        <TermInfo xmlns="http://schemas.microsoft.com/office/infopath/2007/PartnerControls">
-          <TermName xmlns="http://schemas.microsoft.com/office/infopath/2007/PartnerControls">Microsoft Redmond Campus</TermName>
-          <TermId xmlns="http://schemas.microsoft.com/office/infopath/2007/PartnerControls">3cd96142-cb30-40de-9c66-cd17f1bb8ca1</TermId>
-        </TermInfo>
-      </Terms>
-    </g60601ae6c3e4c409eb6a70077dda16d>
-    <e6bd9c8ce3ed4fe68161c78952f36fbc xmlns="04e01bb1-6d80-42e9-ae53-416b1e8aa845">
-      <Terms xmlns="http://schemas.microsoft.com/office/infopath/2007/PartnerControls"/>
-    </e6bd9c8ce3ed4fe68161c78952f36fbc>
-    <e349cd3f156b4e7d8653c9cd4f2d8fb4 xmlns="04e01bb1-6d80-42e9-ae53-416b1e8aa845">
-      <Terms xmlns="http://schemas.microsoft.com/office/infopath/2007/PartnerControls">
-        <TermInfo xmlns="http://schemas.microsoft.com/office/infopath/2007/PartnerControls">
-          <TermName xmlns="http://schemas.microsoft.com/office/infopath/2007/PartnerControls">Machine Learning, AI and Data Science Conference</TermName>
-          <TermId xmlns="http://schemas.microsoft.com/office/infopath/2007/PartnerControls">2f5995e3-1e3d-4c27-96d6-c6c80990926c</TermId>
-        </TermInfo>
-      </Terms>
-    </e349cd3f156b4e7d8653c9cd4f2d8fb4>
-    <c2f1b796fca04ddbb48af271e99c8750 xmlns="04e01bb1-6d80-42e9-ae53-416b1e8aa845">
-      <Terms xmlns="http://schemas.microsoft.com/office/infopath/2007/PartnerControls"/>
-    </c2f1b796fca04ddbb48af271e99c8750>
-  </documentManagement>
-</p:properties>
-</file>
-
 <file path=customXml/item3.xml><?xml version="1.0" encoding="utf-8"?>
 <?mso-contentType ?>
 <FormTemplates xmlns="http://schemas.microsoft.com/sharepoint/v3/contenttype/forms">
@@ -17730,6 +17722,25 @@
 </file>
 
 <file path=customXml/itemProps1.xml><?xml version="1.0" encoding="utf-8"?>
+<ds:datastoreItem xmlns:ds="http://schemas.openxmlformats.org/officeDocument/2006/customXml" ds:itemID="{F990F116-B58F-4255-B05B-DA3808E0E5C6}">
+  <ds:schemaRefs>
+    <ds:schemaRef ds:uri="230e9df3-be65-4c73-a93b-d1236ebd677e"/>
+    <ds:schemaRef ds:uri="http://purl.org/dc/dcmitype/"/>
+    <ds:schemaRef ds:uri="http://schemas.openxmlformats.org/package/2006/metadata/core-properties"/>
+    <ds:schemaRef ds:uri="http://purl.org/dc/elements/1.1/"/>
+    <ds:schemaRef ds:uri="http://schemas.microsoft.com/office/2006/documentManagement/types"/>
+    <ds:schemaRef ds:uri="04e01bb1-6d80-42e9-ae53-416b1e8aa845"/>
+    <ds:schemaRef ds:uri="http://schemas.microsoft.com/office/2006/metadata/properties"/>
+    <ds:schemaRef ds:uri="http://purl.org/dc/terms/"/>
+    <ds:schemaRef ds:uri="http://schemas.microsoft.com/sharepoint/v3"/>
+    <ds:schemaRef ds:uri="http://schemas.microsoft.com/office/infopath/2007/PartnerControls"/>
+    <ds:schemaRef ds:uri="e889e55c-35cf-43c7-aaf4-cf2500919dd8"/>
+    <ds:schemaRef ds:uri="http://www.w3.org/XML/1998/namespace"/>
+  </ds:schemaRefs>
+</ds:datastoreItem>
+</file>
+
+<file path=customXml/itemProps2.xml><?xml version="1.0" encoding="utf-8"?>
 <ds:datastoreItem xmlns:ds="http://schemas.openxmlformats.org/officeDocument/2006/customXml" ds:itemID="{1F2A38B6-502D-4D28-8656-FF7623C10301}">
   <ds:schemaRefs>
     <ds:schemaRef ds:uri="http://schemas.microsoft.com/office/2006/metadata/contentType"/>
@@ -17750,25 +17761,6 @@
 </ds:datastoreItem>
 </file>
 
-<file path=customXml/itemProps2.xml><?xml version="1.0" encoding="utf-8"?>
-<ds:datastoreItem xmlns:ds="http://schemas.openxmlformats.org/officeDocument/2006/customXml" ds:itemID="{F990F116-B58F-4255-B05B-DA3808E0E5C6}">
-  <ds:schemaRefs>
-    <ds:schemaRef ds:uri="230e9df3-be65-4c73-a93b-d1236ebd677e"/>
-    <ds:schemaRef ds:uri="http://purl.org/dc/dcmitype/"/>
-    <ds:schemaRef ds:uri="http://schemas.openxmlformats.org/package/2006/metadata/core-properties"/>
-    <ds:schemaRef ds:uri="http://purl.org/dc/elements/1.1/"/>
-    <ds:schemaRef ds:uri="http://schemas.microsoft.com/office/2006/documentManagement/types"/>
-    <ds:schemaRef ds:uri="04e01bb1-6d80-42e9-ae53-416b1e8aa845"/>
-    <ds:schemaRef ds:uri="http://schemas.microsoft.com/office/2006/metadata/properties"/>
-    <ds:schemaRef ds:uri="http://purl.org/dc/terms/"/>
-    <ds:schemaRef ds:uri="http://schemas.microsoft.com/sharepoint/v3"/>
-    <ds:schemaRef ds:uri="http://schemas.microsoft.com/office/infopath/2007/PartnerControls"/>
-    <ds:schemaRef ds:uri="e889e55c-35cf-43c7-aaf4-cf2500919dd8"/>
-    <ds:schemaRef ds:uri="http://www.w3.org/XML/1998/namespace"/>
-  </ds:schemaRefs>
-</ds:datastoreItem>
-</file>
-
 <file path=customXml/itemProps3.xml><?xml version="1.0" encoding="utf-8"?>
 <ds:datastoreItem xmlns:ds="http://schemas.openxmlformats.org/officeDocument/2006/customXml" ds:itemID="{758FDAC0-319D-4A54-8D8E-1D42CB1F8004}">
   <ds:schemaRefs>

--- a/active_learning_workshop.pptx
+++ b/active_learning_workshop.pptx
@@ -21858,7 +21858,7 @@
         <p:spPr>
           <a:xfrm>
             <a:off x="3220083" y="4564062"/>
-            <a:ext cx="4826954" cy="923330"/>
+            <a:ext cx="4826954" cy="1144929"/>
           </a:xfrm>
           <a:prstGeom prst="rect">
             <a:avLst/>
@@ -22098,7 +22098,16 @@
                 </a:solidFill>
                 <a:latin typeface="+mn-lt"/>
               </a:rPr>
-              <a:t>Use better features</a:t>
+              <a:t>Use better features </a:t>
+            </a:r>
+            <a:r>
+              <a:rPr lang="en-US" sz="1600" dirty="0">
+                <a:solidFill>
+                  <a:srgbClr val="0070C0"/>
+                </a:solidFill>
+                <a:latin typeface="+mn-lt"/>
+              </a:rPr>
+              <a:t>(differentiable programming to automatically learn good features)</a:t>
             </a:r>
           </a:p>
           <a:p>

--- a/active_learning_workshop.pptx
+++ b/active_learning_workshop.pptx
@@ -335,7 +335,7 @@
               <a:rPr lang="en-US" smtClean="0">
                 <a:latin typeface="Segoe UI" pitchFamily="34" charset="0"/>
               </a:rPr>
-              <a:t>3/6/18 8:18 AM</a:t>
+              <a:t>3/6/2018 8:58 AM</a:t>
             </a:fld>
             <a:endParaRPr lang="en-US" dirty="0">
               <a:latin typeface="Segoe UI" pitchFamily="34" charset="0"/>
@@ -632,7 +632,7 @@
           <a:p>
             <a:fld id="{D18B56EA-E28F-4F92-9F16-7A6F2501B303}" type="datetime8">
               <a:rPr lang="en-US" smtClean="0"/>
-              <a:t>3/6/18 8:18 AM</a:t>
+              <a:t>3/6/2018 8:58 AM</a:t>
             </a:fld>
             <a:endParaRPr lang="en-US" dirty="0"/>
           </a:p>
@@ -1018,7 +1018,7 @@
           <a:p>
             <a:fld id="{3313C66B-7AF5-40BA-8933-D16874FF94CC}" type="datetime8">
               <a:rPr lang="en-US" smtClean="0"/>
-              <a:t>3/6/18 8:18 AM</a:t>
+              <a:t>3/6/2018 8:58 AM</a:t>
             </a:fld>
             <a:endParaRPr lang="en-US" dirty="0"/>
           </a:p>
@@ -1203,7 +1203,7 @@
           <a:p>
             <a:fld id="{D18B56EA-E28F-4F92-9F16-7A6F2501B303}" type="datetime8">
               <a:rPr lang="en-US" smtClean="0"/>
-              <a:t>3/6/18 8:18 AM</a:t>
+              <a:t>3/6/2018 8:58 AM</a:t>
             </a:fld>
             <a:endParaRPr lang="en-US" dirty="0"/>
           </a:p>
@@ -1581,7 +1581,7 @@
           <a:p>
             <a:fld id="{D18B56EA-E28F-4F92-9F16-7A6F2501B303}" type="datetime8">
               <a:rPr lang="en-US" smtClean="0"/>
-              <a:t>3/6/18 8:18 AM</a:t>
+              <a:t>3/6/2018 8:58 AM</a:t>
             </a:fld>
             <a:endParaRPr lang="en-US" dirty="0"/>
           </a:p>
@@ -1766,7 +1766,7 @@
           <a:p>
             <a:fld id="{D18B56EA-E28F-4F92-9F16-7A6F2501B303}" type="datetime8">
               <a:rPr lang="en-US" smtClean="0"/>
-              <a:t>3/6/18 8:18 AM</a:t>
+              <a:t>3/6/2018 8:58 AM</a:t>
             </a:fld>
             <a:endParaRPr lang="en-US" dirty="0"/>
           </a:p>
@@ -1951,7 +1951,7 @@
           <a:p>
             <a:fld id="{D18B56EA-E28F-4F92-9F16-7A6F2501B303}" type="datetime8">
               <a:rPr lang="en-US" smtClean="0"/>
-              <a:t>3/6/18 8:18 AM</a:t>
+              <a:t>3/6/2018 8:58 AM</a:t>
             </a:fld>
             <a:endParaRPr lang="en-US" dirty="0"/>
           </a:p>
@@ -2136,7 +2136,7 @@
           <a:p>
             <a:fld id="{D18B56EA-E28F-4F92-9F16-7A6F2501B303}" type="datetime8">
               <a:rPr lang="en-US" smtClean="0"/>
-              <a:t>3/6/18 8:18 AM</a:t>
+              <a:t>3/6/2018 8:58 AM</a:t>
             </a:fld>
             <a:endParaRPr lang="en-US" dirty="0"/>
           </a:p>
@@ -2321,7 +2321,7 @@
           <a:p>
             <a:fld id="{D18B56EA-E28F-4F92-9F16-7A6F2501B303}" type="datetime8">
               <a:rPr lang="en-US" smtClean="0"/>
-              <a:t>3/6/18 8:18 AM</a:t>
+              <a:t>3/6/2018 8:58 AM</a:t>
             </a:fld>
             <a:endParaRPr lang="en-US" dirty="0"/>
           </a:p>
@@ -2506,7 +2506,7 @@
           <a:p>
             <a:fld id="{D18B56EA-E28F-4F92-9F16-7A6F2501B303}" type="datetime8">
               <a:rPr lang="en-US" smtClean="0"/>
-              <a:t>3/6/18 8:18 AM</a:t>
+              <a:t>3/6/2018 8:58 AM</a:t>
             </a:fld>
             <a:endParaRPr lang="en-US" dirty="0"/>
           </a:p>
@@ -2691,7 +2691,7 @@
           <a:p>
             <a:fld id="{D18B56EA-E28F-4F92-9F16-7A6F2501B303}" type="datetime8">
               <a:rPr lang="en-US" smtClean="0"/>
-              <a:t>3/6/18 8:18 AM</a:t>
+              <a:t>3/6/2018 8:58 AM</a:t>
             </a:fld>
             <a:endParaRPr lang="en-US" dirty="0"/>
           </a:p>
@@ -2876,7 +2876,7 @@
           <a:p>
             <a:fld id="{D18B56EA-E28F-4F92-9F16-7A6F2501B303}" type="datetime8">
               <a:rPr lang="en-US" smtClean="0"/>
-              <a:t>3/6/18 8:18 AM</a:t>
+              <a:t>3/6/2018 8:58 AM</a:t>
             </a:fld>
             <a:endParaRPr lang="en-US" dirty="0"/>
           </a:p>
@@ -3061,7 +3061,7 @@
           <a:p>
             <a:fld id="{D18B56EA-E28F-4F92-9F16-7A6F2501B303}" type="datetime8">
               <a:rPr lang="en-US" smtClean="0"/>
-              <a:t>3/6/18 8:18 AM</a:t>
+              <a:t>3/6/2018 8:58 AM</a:t>
             </a:fld>
             <a:endParaRPr lang="en-US" dirty="0"/>
           </a:p>
@@ -3246,7 +3246,7 @@
           <a:p>
             <a:fld id="{D18B56EA-E28F-4F92-9F16-7A6F2501B303}" type="datetime8">
               <a:rPr lang="en-US" smtClean="0"/>
-              <a:t>3/6/18 8:18 AM</a:t>
+              <a:t>3/6/2018 8:58 AM</a:t>
             </a:fld>
             <a:endParaRPr lang="en-US" dirty="0"/>
           </a:p>
@@ -3431,7 +3431,7 @@
           <a:p>
             <a:fld id="{D18B56EA-E28F-4F92-9F16-7A6F2501B303}" type="datetime8">
               <a:rPr lang="en-US" smtClean="0"/>
-              <a:t>3/6/18 8:18 AM</a:t>
+              <a:t>3/6/2018 8:58 AM</a:t>
             </a:fld>
             <a:endParaRPr lang="en-US" dirty="0"/>
           </a:p>
@@ -3616,7 +3616,7 @@
           <a:p>
             <a:fld id="{D18B56EA-E28F-4F92-9F16-7A6F2501B303}" type="datetime8">
               <a:rPr lang="en-US" smtClean="0"/>
-              <a:t>3/6/18 8:18 AM</a:t>
+              <a:t>3/6/2018 8:58 AM</a:t>
             </a:fld>
             <a:endParaRPr lang="en-US" dirty="0"/>
           </a:p>
@@ -3801,7 +3801,7 @@
           <a:p>
             <a:fld id="{D18B56EA-E28F-4F92-9F16-7A6F2501B303}" type="datetime8">
               <a:rPr lang="en-US" smtClean="0"/>
-              <a:t>3/6/18 8:18 AM</a:t>
+              <a:t>3/6/2018 8:58 AM</a:t>
             </a:fld>
             <a:endParaRPr lang="en-US" dirty="0"/>
           </a:p>
@@ -3986,7 +3986,7 @@
           <a:p>
             <a:fld id="{D18B56EA-E28F-4F92-9F16-7A6F2501B303}" type="datetime8">
               <a:rPr lang="en-US" smtClean="0"/>
-              <a:t>3/6/18 8:18 AM</a:t>
+              <a:t>3/6/2018 8:58 AM</a:t>
             </a:fld>
             <a:endParaRPr lang="en-US" dirty="0"/>
           </a:p>
@@ -4171,7 +4171,7 @@
           <a:p>
             <a:fld id="{D18B56EA-E28F-4F92-9F16-7A6F2501B303}" type="datetime8">
               <a:rPr lang="en-US" smtClean="0"/>
-              <a:t>3/6/18 8:18 AM</a:t>
+              <a:t>3/6/2018 8:58 AM</a:t>
             </a:fld>
             <a:endParaRPr lang="en-US" dirty="0"/>
           </a:p>
@@ -4356,7 +4356,7 @@
           <a:p>
             <a:fld id="{D18B56EA-E28F-4F92-9F16-7A6F2501B303}" type="datetime8">
               <a:rPr lang="en-US" smtClean="0"/>
-              <a:t>3/6/18 8:18 AM</a:t>
+              <a:t>3/6/2018 8:58 AM</a:t>
             </a:fld>
             <a:endParaRPr lang="en-US" dirty="0"/>
           </a:p>
@@ -4541,7 +4541,7 @@
           <a:p>
             <a:fld id="{D18B56EA-E28F-4F92-9F16-7A6F2501B303}" type="datetime8">
               <a:rPr lang="en-US" smtClean="0"/>
-              <a:t>3/6/18 8:18 AM</a:t>
+              <a:t>3/6/2018 8:58 AM</a:t>
             </a:fld>
             <a:endParaRPr lang="en-US" dirty="0"/>
           </a:p>
@@ -4726,7 +4726,7 @@
           <a:p>
             <a:fld id="{D18B56EA-E28F-4F92-9F16-7A6F2501B303}" type="datetime8">
               <a:rPr lang="en-US" smtClean="0"/>
-              <a:t>3/6/18 8:18 AM</a:t>
+              <a:t>3/6/2018 8:58 AM</a:t>
             </a:fld>
             <a:endParaRPr lang="en-US" dirty="0"/>
           </a:p>
@@ -4911,7 +4911,7 @@
           <a:p>
             <a:fld id="{D18B56EA-E28F-4F92-9F16-7A6F2501B303}" type="datetime8">
               <a:rPr lang="en-US" smtClean="0"/>
-              <a:t>3/6/18 8:18 AM</a:t>
+              <a:t>3/6/2018 8:58 AM</a:t>
             </a:fld>
             <a:endParaRPr lang="en-US" dirty="0"/>
           </a:p>
@@ -5096,7 +5096,7 @@
           <a:p>
             <a:fld id="{D18B56EA-E28F-4F92-9F16-7A6F2501B303}" type="datetime8">
               <a:rPr lang="en-US" smtClean="0"/>
-              <a:t>3/6/18 8:18 AM</a:t>
+              <a:t>3/6/2018 8:58 AM</a:t>
             </a:fld>
             <a:endParaRPr lang="en-US" dirty="0"/>
           </a:p>
@@ -5281,7 +5281,7 @@
           <a:p>
             <a:fld id="{D18B56EA-E28F-4F92-9F16-7A6F2501B303}" type="datetime8">
               <a:rPr lang="en-US" smtClean="0"/>
-              <a:t>3/6/18 8:18 AM</a:t>
+              <a:t>3/6/2018 8:58 AM</a:t>
             </a:fld>
             <a:endParaRPr lang="en-US" dirty="0"/>
           </a:p>
@@ -5466,7 +5466,7 @@
           <a:p>
             <a:fld id="{D18B56EA-E28F-4F92-9F16-7A6F2501B303}" type="datetime8">
               <a:rPr lang="en-US" smtClean="0"/>
-              <a:t>3/6/18 8:18 AM</a:t>
+              <a:t>3/6/2018 8:58 AM</a:t>
             </a:fld>
             <a:endParaRPr lang="en-US" dirty="0"/>
           </a:p>
@@ -5598,7 +5598,7 @@
           <a:p>
             <a:fld id="{5A70A388-5CB4-42F2-85B9-1AE1F63398FA}" type="datetime8">
               <a:rPr lang="en-US" smtClean="0"/>
-              <a:t>3/6/18 8:18 AM</a:t>
+              <a:t>3/6/2018 8:58 AM</a:t>
             </a:fld>
             <a:endParaRPr lang="en-US" dirty="0"/>
           </a:p>
@@ -5787,7 +5787,7 @@
           <a:p>
             <a:fld id="{6939CF7E-134C-4B4A-9853-17D7568CBCC2}" type="datetime8">
               <a:rPr lang="en-US" smtClean="0"/>
-              <a:t>3/6/18 8:18 AM</a:t>
+              <a:t>3/6/2018 8:58 AM</a:t>
             </a:fld>
             <a:endParaRPr lang="en-US" dirty="0"/>
           </a:p>
@@ -6005,7 +6005,7 @@
           <a:p>
             <a:fld id="{6939CF7E-134C-4B4A-9853-17D7568CBCC2}" type="datetime8">
               <a:rPr lang="en-US" smtClean="0"/>
-              <a:t>3/6/18 8:18 AM</a:t>
+              <a:t>3/6/2018 8:58 AM</a:t>
             </a:fld>
             <a:endParaRPr lang="en-US" dirty="0"/>
           </a:p>
@@ -6223,7 +6223,7 @@
           <a:p>
             <a:fld id="{6939CF7E-134C-4B4A-9853-17D7568CBCC2}" type="datetime8">
               <a:rPr lang="en-US" smtClean="0"/>
-              <a:t>3/6/18 8:18 AM</a:t>
+              <a:t>3/6/2018 8:58 AM</a:t>
             </a:fld>
             <a:endParaRPr lang="en-US" dirty="0"/>
           </a:p>
@@ -6441,7 +6441,7 @@
           <a:p>
             <a:fld id="{6939CF7E-134C-4B4A-9853-17D7568CBCC2}" type="datetime8">
               <a:rPr lang="en-US" smtClean="0"/>
-              <a:t>3/6/18 8:18 AM</a:t>
+              <a:t>3/6/2018 8:58 AM</a:t>
             </a:fld>
             <a:endParaRPr lang="en-US" dirty="0"/>
           </a:p>
@@ -6710,7 +6710,7 @@
           <a:p>
             <a:fld id="{D18B56EA-E28F-4F92-9F16-7A6F2501B303}" type="datetime8">
               <a:rPr lang="en-US" smtClean="0"/>
-              <a:t>3/6/18 8:18 AM</a:t>
+              <a:t>3/6/2018 8:58 AM</a:t>
             </a:fld>
             <a:endParaRPr lang="en-US" dirty="0"/>
           </a:p>
@@ -6895,7 +6895,7 @@
           <a:p>
             <a:fld id="{D18B56EA-E28F-4F92-9F16-7A6F2501B303}" type="datetime8">
               <a:rPr lang="en-US" smtClean="0"/>
-              <a:t>3/6/18 8:18 AM</a:t>
+              <a:t>3/6/2018 8:58 AM</a:t>
             </a:fld>
             <a:endParaRPr lang="en-US" dirty="0"/>
           </a:p>
@@ -7080,7 +7080,7 @@
           <a:p>
             <a:fld id="{D18B56EA-E28F-4F92-9F16-7A6F2501B303}" type="datetime8">
               <a:rPr lang="en-US" smtClean="0"/>
-              <a:t>3/6/18 8:18 AM</a:t>
+              <a:t>3/6/2018 8:58 AM</a:t>
             </a:fld>
             <a:endParaRPr lang="en-US" dirty="0"/>
           </a:p>
@@ -7265,7 +7265,7 @@
           <a:p>
             <a:fld id="{D18B56EA-E28F-4F92-9F16-7A6F2501B303}" type="datetime8">
               <a:rPr lang="en-US" smtClean="0"/>
-              <a:t>3/6/18 8:18 AM</a:t>
+              <a:t>3/6/2018 8:58 AM</a:t>
             </a:fld>
             <a:endParaRPr lang="en-US" dirty="0"/>
           </a:p>
@@ -7450,7 +7450,7 @@
           <a:p>
             <a:fld id="{D18B56EA-E28F-4F92-9F16-7A6F2501B303}" type="datetime8">
               <a:rPr lang="en-US" smtClean="0"/>
-              <a:t>3/6/18 8:18 AM</a:t>
+              <a:t>3/6/2018 8:58 AM</a:t>
             </a:fld>
             <a:endParaRPr lang="en-US" dirty="0"/>
           </a:p>
@@ -7603,7 +7603,7 @@
                   <a:prstClr val="black"/>
                 </a:solidFill>
               </a:rPr>
-              <a:t>3/6/18 8:18 AM</a:t>
+              <a:t>3/6/2018 8:58 AM</a:t>
             </a:fld>
             <a:endParaRPr lang="en-US" dirty="0">
               <a:solidFill>
@@ -7854,7 +7854,7 @@
           <a:p>
             <a:fld id="{D18B56EA-E28F-4F92-9F16-7A6F2501B303}" type="datetime8">
               <a:rPr lang="en-US" smtClean="0"/>
-              <a:t>3/6/18 8:18 AM</a:t>
+              <a:t>3/6/2018 8:58 AM</a:t>
             </a:fld>
             <a:endParaRPr lang="en-US" dirty="0"/>
           </a:p>
@@ -8031,7 +8031,7 @@
           <a:p>
             <a:fld id="{6939CF7E-134C-4B4A-9853-17D7568CBCC2}" type="datetime8">
               <a:rPr lang="en-US" smtClean="0"/>
-              <a:t>3/6/18 8:18 AM</a:t>
+              <a:t>3/6/2018 8:58 AM</a:t>
             </a:fld>
             <a:endParaRPr lang="en-US" dirty="0"/>
           </a:p>
@@ -8300,7 +8300,7 @@
           <a:p>
             <a:fld id="{D18B56EA-E28F-4F92-9F16-7A6F2501B303}" type="datetime8">
               <a:rPr lang="en-US" smtClean="0"/>
-              <a:t>3/6/18 8:18 AM</a:t>
+              <a:t>3/6/2018 8:58 AM</a:t>
             </a:fld>
             <a:endParaRPr lang="en-US" dirty="0"/>
           </a:p>
@@ -8485,7 +8485,7 @@
           <a:p>
             <a:fld id="{D18B56EA-E28F-4F92-9F16-7A6F2501B303}" type="datetime8">
               <a:rPr lang="en-US" smtClean="0"/>
-              <a:t>3/6/18 8:18 AM</a:t>
+              <a:t>3/6/2018 8:58 AM</a:t>
             </a:fld>
             <a:endParaRPr lang="en-US" dirty="0"/>
           </a:p>
@@ -8670,7 +8670,7 @@
           <a:p>
             <a:fld id="{D18B56EA-E28F-4F92-9F16-7A6F2501B303}" type="datetime8">
               <a:rPr lang="en-US" smtClean="0"/>
-              <a:t>3/6/18 8:18 AM</a:t>
+              <a:t>3/6/2018 8:58 AM</a:t>
             </a:fld>
             <a:endParaRPr lang="en-US" dirty="0"/>
           </a:p>
@@ -19807,7 +19807,7 @@
           <a:p>
             <a:fld id="{9AFE8FB1-0A7A-443E-AAF7-31D4FA1AA312}" type="datetimeFigureOut">
               <a:rPr lang="en-US"/>
-              <a:t>3/6/18</a:t>
+              <a:t>3/6/2018</a:t>
             </a:fld>
             <a:endParaRPr/>
           </a:p>
@@ -51446,7 +51446,7 @@
         <p:spPr>
           <a:xfrm>
             <a:off x="274702" y="1211287"/>
-            <a:ext cx="11888787" cy="3053144"/>
+            <a:ext cx="11888787" cy="1292662"/>
           </a:xfrm>
         </p:spPr>
         <p:txBody>
@@ -51459,37 +51459,13 @@
             </a:r>
           </a:p>
           <a:p>
-            <a:pPr lvl="1"/>
+            <a:r>
+              <a:rPr lang="en-US"/>
+              <a:t>Scaling </a:t>
+            </a:r>
             <a:r>
               <a:rPr lang="en-US" dirty="0"/>
-              <a:t>data</a:t>
-            </a:r>
-          </a:p>
-          <a:p>
-            <a:pPr lvl="2"/>
-            <a:r>
-              <a:rPr lang="en-US" dirty="0"/>
-              <a:t>generic formats (csv)</a:t>
-            </a:r>
-          </a:p>
-          <a:p>
-            <a:pPr lvl="2"/>
-            <a:r>
-              <a:rPr lang="en-US" dirty="0"/>
-              <a:t>feather format</a:t>
-            </a:r>
-          </a:p>
-          <a:p>
-            <a:pPr lvl="1"/>
-            <a:r>
-              <a:rPr lang="en-US" dirty="0"/>
-              <a:t>reticulate</a:t>
-            </a:r>
-          </a:p>
-          <a:p>
-            <a:r>
-              <a:rPr lang="en-US" dirty="0"/>
-              <a:t>Scaling up on the cloud</a:t>
+              <a:t>up on the cloud</a:t>
             </a:r>
           </a:p>
         </p:txBody>
@@ -54097,106 +54073,6 @@
 </file>
 
 <file path=customXml/item1.xml><?xml version="1.0" encoding="utf-8"?>
-<?mso-contentType ?>
-<FormTemplates xmlns="http://schemas.microsoft.com/sharepoint/v3/contenttype/forms">
-  <Display>DocumentLibraryForm</Display>
-  <Edit>DocumentLibraryForm</Edit>
-  <New>DocumentLibraryForm</New>
-</FormTemplates>
-</file>
-
-<file path=customXml/item2.xml><?xml version="1.0" encoding="utf-8"?>
-<p:properties xmlns:p="http://schemas.microsoft.com/office/2006/metadata/properties" xmlns:xsi="http://www.w3.org/2001/XMLSchema-instance" xmlns:pc="http://schemas.microsoft.com/office/infopath/2007/PartnerControls">
-  <documentManagement>
-    <LikesCount xmlns="http://schemas.microsoft.com/sharepoint/v3" xsi:nil="true"/>
-    <_ip_UnifiedCompliancePolicyUIAction xmlns="http://schemas.microsoft.com/sharepoint/v3" xsi:nil="true"/>
-    <_ip_UnifiedCompliancePolicyProperties xmlns="http://schemas.microsoft.com/sharepoint/v3" xsi:nil="true"/>
-    <TaxKeywordTaxHTField xmlns="230e9df3-be65-4c73-a93b-d1236ebd677e">
-      <Terms xmlns="http://schemas.microsoft.com/office/infopath/2007/PartnerControls">
-        <TermInfo xmlns="http://schemas.microsoft.com/office/infopath/2007/PartnerControls">
-          <TermName xmlns="http://schemas.microsoft.com/office/infopath/2007/PartnerControls">machine learning</TermName>
-          <TermId xmlns="http://schemas.microsoft.com/office/infopath/2007/PartnerControls">912b89bd-3197-4d37-838b-dea3c299099a</TermId>
-        </TermInfo>
-        <TermInfo xmlns="http://schemas.microsoft.com/office/infopath/2007/PartnerControls">
-          <TermName xmlns="http://schemas.microsoft.com/office/infopath/2007/PartnerControls">AI ＆ Data Science Conference</TermName>
-          <TermId xmlns="http://schemas.microsoft.com/office/infopath/2007/PartnerControls">8f010730-a012-41a8-b19a-7b5a9af03b6a</TermId>
-        </TermInfo>
-      </Terms>
-    </TaxKeywordTaxHTField>
-    <TaxCatchAll xmlns="230e9df3-be65-4c73-a93b-d1236ebd677e">
-      <Value>69</Value>
-      <Value>131</Value>
-      <Value>20</Value>
-      <Value>72</Value>
-      <Value>169</Value>
-    </TaxCatchAll>
-    <Event_x0020_Start_x0020_Date xmlns="04e01bb1-6d80-42e9-ae53-416b1e8aa845">2017-12-07T00:00:00+00:00</Event_x0020_Start_x0020_Date>
-    <External_x0020_Speaker xmlns="04e01bb1-6d80-42e9-ae53-416b1e8aa845" xsi:nil="true"/>
-    <Presentation_x0020_Date xmlns="04e01bb1-6d80-42e9-ae53-416b1e8aa845" xsi:nil="true"/>
-    <MS_x0020_Content_x0020_Owner xmlns="04e01bb1-6d80-42e9-ae53-416b1e8aa845">
-      <UserInfo>
-        <DisplayName/>
-        <AccountId xsi:nil="true"/>
-        <AccountType/>
-      </UserInfo>
-    </MS_x0020_Content_x0020_Owner>
-    <Session_x0020_Code xmlns="04e01bb1-6d80-42e9-ae53-416b1e8aa845" xsi:nil="true"/>
-    <Event_x0020_End_x0020_Date xmlns="04e01bb1-6d80-42e9-ae53-416b1e8aa845">2017-12-08T00:00:00+00:00</Event_x0020_End_x0020_Date>
-    <MS_x0020_Speaker xmlns="04e01bb1-6d80-42e9-ae53-416b1e8aa845">
-      <UserInfo>
-        <DisplayName/>
-        <AccountId xsi:nil="true"/>
-        <AccountType/>
-      </UserInfo>
-    </MS_x0020_Speaker>
-    <_x0062_bc8 xmlns="e889e55c-35cf-43c7-aaf4-cf2500919dd8">
-      <UserInfo>
-        <DisplayName/>
-        <AccountId xsi:nil="true"/>
-        <AccountType/>
-      </UserInfo>
-    </_x0062_bc8>
-    <fb4e50409e3b4517bb965b3c7125e153 xmlns="04e01bb1-6d80-42e9-ae53-416b1e8aa845">
-      <Terms xmlns="http://schemas.microsoft.com/office/infopath/2007/PartnerControls"/>
-    </fb4e50409e3b4517bb965b3c7125e153>
-    <l61c8586195b4657a1f710a539f9bc3a xmlns="04e01bb1-6d80-42e9-ae53-416b1e8aa845">
-      <Terms xmlns="http://schemas.microsoft.com/office/infopath/2007/PartnerControls">
-        <TermInfo xmlns="http://schemas.microsoft.com/office/infopath/2007/PartnerControls">
-          <TermName xmlns="http://schemas.microsoft.com/office/infopath/2007/PartnerControls">Microsoft Conference Center</TermName>
-          <TermId xmlns="http://schemas.microsoft.com/office/infopath/2007/PartnerControls">9ee5e79d-18a6-44c6-bfde-7021198eb4fc</TermId>
-        </TermInfo>
-      </Terms>
-    </l61c8586195b4657a1f710a539f9bc3a>
-    <a645af38eebb4a1ea4744f163c56ea26 xmlns="04e01bb1-6d80-42e9-ae53-416b1e8aa845">
-      <Terms xmlns="http://schemas.microsoft.com/office/infopath/2007/PartnerControls"/>
-    </a645af38eebb4a1ea4744f163c56ea26>
-    <g60601ae6c3e4c409eb6a70077dda16d xmlns="04e01bb1-6d80-42e9-ae53-416b1e8aa845">
-      <Terms xmlns="http://schemas.microsoft.com/office/infopath/2007/PartnerControls">
-        <TermInfo xmlns="http://schemas.microsoft.com/office/infopath/2007/PartnerControls">
-          <TermName xmlns="http://schemas.microsoft.com/office/infopath/2007/PartnerControls">Microsoft Redmond Campus</TermName>
-          <TermId xmlns="http://schemas.microsoft.com/office/infopath/2007/PartnerControls">3cd96142-cb30-40de-9c66-cd17f1bb8ca1</TermId>
-        </TermInfo>
-      </Terms>
-    </g60601ae6c3e4c409eb6a70077dda16d>
-    <e6bd9c8ce3ed4fe68161c78952f36fbc xmlns="04e01bb1-6d80-42e9-ae53-416b1e8aa845">
-      <Terms xmlns="http://schemas.microsoft.com/office/infopath/2007/PartnerControls"/>
-    </e6bd9c8ce3ed4fe68161c78952f36fbc>
-    <e349cd3f156b4e7d8653c9cd4f2d8fb4 xmlns="04e01bb1-6d80-42e9-ae53-416b1e8aa845">
-      <Terms xmlns="http://schemas.microsoft.com/office/infopath/2007/PartnerControls">
-        <TermInfo xmlns="http://schemas.microsoft.com/office/infopath/2007/PartnerControls">
-          <TermName xmlns="http://schemas.microsoft.com/office/infopath/2007/PartnerControls">Machine Learning, AI and Data Science Conference</TermName>
-          <TermId xmlns="http://schemas.microsoft.com/office/infopath/2007/PartnerControls">2f5995e3-1e3d-4c27-96d6-c6c80990926c</TermId>
-        </TermInfo>
-      </Terms>
-    </e349cd3f156b4e7d8653c9cd4f2d8fb4>
-    <c2f1b796fca04ddbb48af271e99c8750 xmlns="04e01bb1-6d80-42e9-ae53-416b1e8aa845">
-      <Terms xmlns="http://schemas.microsoft.com/office/infopath/2007/PartnerControls"/>
-    </c2f1b796fca04ddbb48af271e99c8750>
-  </documentManagement>
-</p:properties>
-</file>
-
-<file path=customXml/item3.xml><?xml version="1.0" encoding="utf-8"?>
 <ct:contentTypeSchema xmlns:ct="http://schemas.microsoft.com/office/2006/metadata/contentType" xmlns:ma="http://schemas.microsoft.com/office/2006/metadata/properties/metaAttributes" ct:_="" ma:_="" ma:contentTypeName="PresentationsDoc" ma:contentTypeID="0x010100A584695755FE764EB25B07353E74077C00D779C3CEF1177A4F8B41F96DF87A1F66" ma:contentTypeVersion="29" ma:contentTypeDescription="" ma:contentTypeScope="" ma:versionID="bc0165f08afb8fb58dc89969b329b48b">
   <xsd:schema xmlns:xsd="http://www.w3.org/2001/XMLSchema" xmlns:xs="http://www.w3.org/2001/XMLSchema" xmlns:p="http://schemas.microsoft.com/office/2006/metadata/properties" xmlns:ns1="http://schemas.microsoft.com/sharepoint/v3" xmlns:ns2="04e01bb1-6d80-42e9-ae53-416b1e8aa845" xmlns:ns3="230e9df3-be65-4c73-a93b-d1236ebd677e" xmlns:ns5="e889e55c-35cf-43c7-aaf4-cf2500919dd8" targetNamespace="http://schemas.microsoft.com/office/2006/metadata/properties" ma:root="true" ma:fieldsID="1871bda11c5b84277cb29a8dbd7968a9" ns1:_="" ns2:_="" ns3:_="" ns5:_="">
     <xsd:import namespace="http://schemas.microsoft.com/sharepoint/v3"/>
@@ -54595,34 +54471,107 @@
 </ct:contentTypeSchema>
 </file>
 
-<file path=customXml/itemProps1.xml><?xml version="1.0" encoding="utf-8"?>
-<ds:datastoreItem xmlns:ds="http://schemas.openxmlformats.org/officeDocument/2006/customXml" ds:itemID="{758FDAC0-319D-4A54-8D8E-1D42CB1F8004}">
-  <ds:schemaRefs>
-    <ds:schemaRef ds:uri="http://schemas.microsoft.com/sharepoint/v3/contenttype/forms"/>
-  </ds:schemaRefs>
-</ds:datastoreItem>
+<file path=customXml/item2.xml><?xml version="1.0" encoding="utf-8"?>
+<p:properties xmlns:p="http://schemas.microsoft.com/office/2006/metadata/properties" xmlns:xsi="http://www.w3.org/2001/XMLSchema-instance" xmlns:pc="http://schemas.microsoft.com/office/infopath/2007/PartnerControls">
+  <documentManagement>
+    <LikesCount xmlns="http://schemas.microsoft.com/sharepoint/v3" xsi:nil="true"/>
+    <_ip_UnifiedCompliancePolicyUIAction xmlns="http://schemas.microsoft.com/sharepoint/v3" xsi:nil="true"/>
+    <_ip_UnifiedCompliancePolicyProperties xmlns="http://schemas.microsoft.com/sharepoint/v3" xsi:nil="true"/>
+    <TaxKeywordTaxHTField xmlns="230e9df3-be65-4c73-a93b-d1236ebd677e">
+      <Terms xmlns="http://schemas.microsoft.com/office/infopath/2007/PartnerControls">
+        <TermInfo xmlns="http://schemas.microsoft.com/office/infopath/2007/PartnerControls">
+          <TermName xmlns="http://schemas.microsoft.com/office/infopath/2007/PartnerControls">machine learning</TermName>
+          <TermId xmlns="http://schemas.microsoft.com/office/infopath/2007/PartnerControls">912b89bd-3197-4d37-838b-dea3c299099a</TermId>
+        </TermInfo>
+        <TermInfo xmlns="http://schemas.microsoft.com/office/infopath/2007/PartnerControls">
+          <TermName xmlns="http://schemas.microsoft.com/office/infopath/2007/PartnerControls">AI ＆ Data Science Conference</TermName>
+          <TermId xmlns="http://schemas.microsoft.com/office/infopath/2007/PartnerControls">8f010730-a012-41a8-b19a-7b5a9af03b6a</TermId>
+        </TermInfo>
+      </Terms>
+    </TaxKeywordTaxHTField>
+    <TaxCatchAll xmlns="230e9df3-be65-4c73-a93b-d1236ebd677e">
+      <Value>69</Value>
+      <Value>131</Value>
+      <Value>20</Value>
+      <Value>72</Value>
+      <Value>169</Value>
+    </TaxCatchAll>
+    <Event_x0020_Start_x0020_Date xmlns="04e01bb1-6d80-42e9-ae53-416b1e8aa845">2017-12-07T00:00:00+00:00</Event_x0020_Start_x0020_Date>
+    <External_x0020_Speaker xmlns="04e01bb1-6d80-42e9-ae53-416b1e8aa845" xsi:nil="true"/>
+    <Presentation_x0020_Date xmlns="04e01bb1-6d80-42e9-ae53-416b1e8aa845" xsi:nil="true"/>
+    <MS_x0020_Content_x0020_Owner xmlns="04e01bb1-6d80-42e9-ae53-416b1e8aa845">
+      <UserInfo>
+        <DisplayName/>
+        <AccountId xsi:nil="true"/>
+        <AccountType/>
+      </UserInfo>
+    </MS_x0020_Content_x0020_Owner>
+    <Session_x0020_Code xmlns="04e01bb1-6d80-42e9-ae53-416b1e8aa845" xsi:nil="true"/>
+    <Event_x0020_End_x0020_Date xmlns="04e01bb1-6d80-42e9-ae53-416b1e8aa845">2017-12-08T00:00:00+00:00</Event_x0020_End_x0020_Date>
+    <MS_x0020_Speaker xmlns="04e01bb1-6d80-42e9-ae53-416b1e8aa845">
+      <UserInfo>
+        <DisplayName/>
+        <AccountId xsi:nil="true"/>
+        <AccountType/>
+      </UserInfo>
+    </MS_x0020_Speaker>
+    <_x0062_bc8 xmlns="e889e55c-35cf-43c7-aaf4-cf2500919dd8">
+      <UserInfo>
+        <DisplayName/>
+        <AccountId xsi:nil="true"/>
+        <AccountType/>
+      </UserInfo>
+    </_x0062_bc8>
+    <fb4e50409e3b4517bb965b3c7125e153 xmlns="04e01bb1-6d80-42e9-ae53-416b1e8aa845">
+      <Terms xmlns="http://schemas.microsoft.com/office/infopath/2007/PartnerControls"/>
+    </fb4e50409e3b4517bb965b3c7125e153>
+    <l61c8586195b4657a1f710a539f9bc3a xmlns="04e01bb1-6d80-42e9-ae53-416b1e8aa845">
+      <Terms xmlns="http://schemas.microsoft.com/office/infopath/2007/PartnerControls">
+        <TermInfo xmlns="http://schemas.microsoft.com/office/infopath/2007/PartnerControls">
+          <TermName xmlns="http://schemas.microsoft.com/office/infopath/2007/PartnerControls">Microsoft Conference Center</TermName>
+          <TermId xmlns="http://schemas.microsoft.com/office/infopath/2007/PartnerControls">9ee5e79d-18a6-44c6-bfde-7021198eb4fc</TermId>
+        </TermInfo>
+      </Terms>
+    </l61c8586195b4657a1f710a539f9bc3a>
+    <a645af38eebb4a1ea4744f163c56ea26 xmlns="04e01bb1-6d80-42e9-ae53-416b1e8aa845">
+      <Terms xmlns="http://schemas.microsoft.com/office/infopath/2007/PartnerControls"/>
+    </a645af38eebb4a1ea4744f163c56ea26>
+    <g60601ae6c3e4c409eb6a70077dda16d xmlns="04e01bb1-6d80-42e9-ae53-416b1e8aa845">
+      <Terms xmlns="http://schemas.microsoft.com/office/infopath/2007/PartnerControls">
+        <TermInfo xmlns="http://schemas.microsoft.com/office/infopath/2007/PartnerControls">
+          <TermName xmlns="http://schemas.microsoft.com/office/infopath/2007/PartnerControls">Microsoft Redmond Campus</TermName>
+          <TermId xmlns="http://schemas.microsoft.com/office/infopath/2007/PartnerControls">3cd96142-cb30-40de-9c66-cd17f1bb8ca1</TermId>
+        </TermInfo>
+      </Terms>
+    </g60601ae6c3e4c409eb6a70077dda16d>
+    <e6bd9c8ce3ed4fe68161c78952f36fbc xmlns="04e01bb1-6d80-42e9-ae53-416b1e8aa845">
+      <Terms xmlns="http://schemas.microsoft.com/office/infopath/2007/PartnerControls"/>
+    </e6bd9c8ce3ed4fe68161c78952f36fbc>
+    <e349cd3f156b4e7d8653c9cd4f2d8fb4 xmlns="04e01bb1-6d80-42e9-ae53-416b1e8aa845">
+      <Terms xmlns="http://schemas.microsoft.com/office/infopath/2007/PartnerControls">
+        <TermInfo xmlns="http://schemas.microsoft.com/office/infopath/2007/PartnerControls">
+          <TermName xmlns="http://schemas.microsoft.com/office/infopath/2007/PartnerControls">Machine Learning, AI and Data Science Conference</TermName>
+          <TermId xmlns="http://schemas.microsoft.com/office/infopath/2007/PartnerControls">2f5995e3-1e3d-4c27-96d6-c6c80990926c</TermId>
+        </TermInfo>
+      </Terms>
+    </e349cd3f156b4e7d8653c9cd4f2d8fb4>
+    <c2f1b796fca04ddbb48af271e99c8750 xmlns="04e01bb1-6d80-42e9-ae53-416b1e8aa845">
+      <Terms xmlns="http://schemas.microsoft.com/office/infopath/2007/PartnerControls"/>
+    </c2f1b796fca04ddbb48af271e99c8750>
+  </documentManagement>
+</p:properties>
 </file>
 
-<file path=customXml/itemProps2.xml><?xml version="1.0" encoding="utf-8"?>
-<ds:datastoreItem xmlns:ds="http://schemas.openxmlformats.org/officeDocument/2006/customXml" ds:itemID="{F990F116-B58F-4255-B05B-DA3808E0E5C6}">
-  <ds:schemaRefs>
-    <ds:schemaRef ds:uri="230e9df3-be65-4c73-a93b-d1236ebd677e"/>
-    <ds:schemaRef ds:uri="http://purl.org/dc/dcmitype/"/>
-    <ds:schemaRef ds:uri="http://schemas.openxmlformats.org/package/2006/metadata/core-properties"/>
-    <ds:schemaRef ds:uri="http://purl.org/dc/elements/1.1/"/>
-    <ds:schemaRef ds:uri="http://schemas.microsoft.com/office/2006/documentManagement/types"/>
-    <ds:schemaRef ds:uri="04e01bb1-6d80-42e9-ae53-416b1e8aa845"/>
-    <ds:schemaRef ds:uri="http://schemas.microsoft.com/office/2006/metadata/properties"/>
-    <ds:schemaRef ds:uri="http://purl.org/dc/terms/"/>
-    <ds:schemaRef ds:uri="http://schemas.microsoft.com/sharepoint/v3"/>
-    <ds:schemaRef ds:uri="http://schemas.microsoft.com/office/infopath/2007/PartnerControls"/>
-    <ds:schemaRef ds:uri="e889e55c-35cf-43c7-aaf4-cf2500919dd8"/>
-    <ds:schemaRef ds:uri="http://www.w3.org/XML/1998/namespace"/>
-  </ds:schemaRefs>
-</ds:datastoreItem>
+<file path=customXml/item3.xml><?xml version="1.0" encoding="utf-8"?>
+<?mso-contentType ?>
+<FormTemplates xmlns="http://schemas.microsoft.com/sharepoint/v3/contenttype/forms">
+  <Display>DocumentLibraryForm</Display>
+  <Edit>DocumentLibraryForm</Edit>
+  <New>DocumentLibraryForm</New>
+</FormTemplates>
 </file>
 
-<file path=customXml/itemProps3.xml><?xml version="1.0" encoding="utf-8"?>
+<file path=customXml/itemProps1.xml><?xml version="1.0" encoding="utf-8"?>
 <ds:datastoreItem xmlns:ds="http://schemas.openxmlformats.org/officeDocument/2006/customXml" ds:itemID="{1F2A38B6-502D-4D28-8656-FF7623C10301}">
   <ds:schemaRefs>
     <ds:schemaRef ds:uri="http://schemas.microsoft.com/office/2006/metadata/contentType"/>
@@ -54641,4 +54590,31 @@
     <ds:schemaRef ds:uri="http://schemas.microsoft.com/internal/obd"/>
   </ds:schemaRefs>
 </ds:datastoreItem>
+</file>
+
+<file path=customXml/itemProps2.xml><?xml version="1.0" encoding="utf-8"?>
+<ds:datastoreItem xmlns:ds="http://schemas.openxmlformats.org/officeDocument/2006/customXml" ds:itemID="{F990F116-B58F-4255-B05B-DA3808E0E5C6}">
+  <ds:schemaRefs>
+    <ds:schemaRef ds:uri="e889e55c-35cf-43c7-aaf4-cf2500919dd8"/>
+    <ds:schemaRef ds:uri="http://purl.org/dc/terms/"/>
+    <ds:schemaRef ds:uri="http://purl.org/dc/dcmitype/"/>
+    <ds:schemaRef ds:uri="04e01bb1-6d80-42e9-ae53-416b1e8aa845"/>
+    <ds:schemaRef ds:uri="230e9df3-be65-4c73-a93b-d1236ebd677e"/>
+    <ds:schemaRef ds:uri="http://schemas.microsoft.com/office/2006/documentManagement/types"/>
+    <ds:schemaRef ds:uri="http://schemas.microsoft.com/office/2006/metadata/properties"/>
+    <ds:schemaRef ds:uri="http://schemas.microsoft.com/office/infopath/2007/PartnerControls"/>
+    <ds:schemaRef ds:uri="http://schemas.microsoft.com/sharepoint/v3"/>
+    <ds:schemaRef ds:uri="http://schemas.openxmlformats.org/package/2006/metadata/core-properties"/>
+    <ds:schemaRef ds:uri="http://www.w3.org/XML/1998/namespace"/>
+    <ds:schemaRef ds:uri="http://purl.org/dc/elements/1.1/"/>
+  </ds:schemaRefs>
+</ds:datastoreItem>
+</file>
+
+<file path=customXml/itemProps3.xml><?xml version="1.0" encoding="utf-8"?>
+<ds:datastoreItem xmlns:ds="http://schemas.openxmlformats.org/officeDocument/2006/customXml" ds:itemID="{758FDAC0-319D-4A54-8D8E-1D42CB1F8004}">
+  <ds:schemaRefs>
+    <ds:schemaRef ds:uri="http://schemas.microsoft.com/sharepoint/v3/contenttype/forms"/>
+  </ds:schemaRefs>
+</ds:datastoreItem>
 </file>